--- a/聊聊NSObject.pptx
+++ b/聊聊NSObject.pptx
@@ -1064,6 +1064,13 @@
         </dgm:presLayoutVars>
       </dgm:prSet>
       <dgm:spPr/>
+      <dgm:t>
+        <a:bodyPr/>
+        <a:lstStyle/>
+        <a:p>
+          <a:endParaRPr lang="zh-CN" altLang="en-US"/>
+        </a:p>
+      </dgm:t>
     </dgm:pt>
     <dgm:pt modelId="{D5D1A9D2-81BD-B046-8B5E-5A603A4F7FEA}" type="pres">
       <dgm:prSet presAssocID="{5835DFC2-5AEF-1341-9FCC-8AF3A3B43670}" presName="root1" presStyleCnt="0"/>
@@ -1076,6 +1083,13 @@
         </dgm:presLayoutVars>
       </dgm:prSet>
       <dgm:spPr/>
+      <dgm:t>
+        <a:bodyPr/>
+        <a:lstStyle/>
+        <a:p>
+          <a:endParaRPr lang="zh-CN" altLang="en-US"/>
+        </a:p>
+      </dgm:t>
     </dgm:pt>
     <dgm:pt modelId="{64825C8C-0131-F042-BC5F-BB8B4C3D30D0}" type="pres">
       <dgm:prSet presAssocID="{5835DFC2-5AEF-1341-9FCC-8AF3A3B43670}" presName="level2hierChild" presStyleCnt="0"/>
@@ -1084,10 +1098,24 @@
     <dgm:pt modelId="{4200E10C-E926-274C-82C2-EDC8E5422BB0}" type="pres">
       <dgm:prSet presAssocID="{E1D4B07E-DC86-BD4B-BAF5-3FDB86AC4EEE}" presName="conn2-1" presStyleLbl="parChTrans1D2" presStyleIdx="0" presStyleCnt="2"/>
       <dgm:spPr/>
+      <dgm:t>
+        <a:bodyPr/>
+        <a:lstStyle/>
+        <a:p>
+          <a:endParaRPr lang="zh-CN" altLang="en-US"/>
+        </a:p>
+      </dgm:t>
     </dgm:pt>
     <dgm:pt modelId="{7EB64505-D30E-7B44-AF78-79C71D5ED811}" type="pres">
       <dgm:prSet presAssocID="{E1D4B07E-DC86-BD4B-BAF5-3FDB86AC4EEE}" presName="connTx" presStyleLbl="parChTrans1D2" presStyleIdx="0" presStyleCnt="2"/>
       <dgm:spPr/>
+      <dgm:t>
+        <a:bodyPr/>
+        <a:lstStyle/>
+        <a:p>
+          <a:endParaRPr lang="zh-CN" altLang="en-US"/>
+        </a:p>
+      </dgm:t>
     </dgm:pt>
     <dgm:pt modelId="{3DA2F375-6ED7-4545-993B-9D2A5112B393}" type="pres">
       <dgm:prSet presAssocID="{60C1A6BE-0AF5-F543-A054-F845530DFBB1}" presName="root2" presStyleCnt="0"/>
@@ -1100,6 +1128,13 @@
         </dgm:presLayoutVars>
       </dgm:prSet>
       <dgm:spPr/>
+      <dgm:t>
+        <a:bodyPr/>
+        <a:lstStyle/>
+        <a:p>
+          <a:endParaRPr lang="zh-CN" altLang="en-US"/>
+        </a:p>
+      </dgm:t>
     </dgm:pt>
     <dgm:pt modelId="{FA17FF59-F6E3-4C48-93BF-07DF3CE48E19}" type="pres">
       <dgm:prSet presAssocID="{60C1A6BE-0AF5-F543-A054-F845530DFBB1}" presName="level3hierChild" presStyleCnt="0"/>
@@ -1108,10 +1143,24 @@
     <dgm:pt modelId="{7D9E9FB8-AE7D-7249-AFED-D3FF4937F9F3}" type="pres">
       <dgm:prSet presAssocID="{4645E10A-C9C7-C54B-85B0-0DD726292E90}" presName="conn2-1" presStyleLbl="parChTrans1D2" presStyleIdx="1" presStyleCnt="2"/>
       <dgm:spPr/>
+      <dgm:t>
+        <a:bodyPr/>
+        <a:lstStyle/>
+        <a:p>
+          <a:endParaRPr lang="zh-CN" altLang="en-US"/>
+        </a:p>
+      </dgm:t>
     </dgm:pt>
     <dgm:pt modelId="{094A3587-536C-354E-9137-52D667C38F50}" type="pres">
       <dgm:prSet presAssocID="{4645E10A-C9C7-C54B-85B0-0DD726292E90}" presName="connTx" presStyleLbl="parChTrans1D2" presStyleIdx="1" presStyleCnt="2"/>
       <dgm:spPr/>
+      <dgm:t>
+        <a:bodyPr/>
+        <a:lstStyle/>
+        <a:p>
+          <a:endParaRPr lang="zh-CN" altLang="en-US"/>
+        </a:p>
+      </dgm:t>
     </dgm:pt>
     <dgm:pt modelId="{4F34236D-C872-F642-99AC-DD8A1D214D8A}" type="pres">
       <dgm:prSet presAssocID="{43CCAF7C-056B-694F-8616-2B874B971065}" presName="root2" presStyleCnt="0"/>
@@ -1124,6 +1173,13 @@
         </dgm:presLayoutVars>
       </dgm:prSet>
       <dgm:spPr/>
+      <dgm:t>
+        <a:bodyPr/>
+        <a:lstStyle/>
+        <a:p>
+          <a:endParaRPr lang="zh-CN" altLang="en-US"/>
+        </a:p>
+      </dgm:t>
     </dgm:pt>
     <dgm:pt modelId="{3FEF69C2-31A7-234F-862D-ECEA37CAB6FC}" type="pres">
       <dgm:prSet presAssocID="{43CCAF7C-056B-694F-8616-2B874B971065}" presName="level3hierChild" presStyleCnt="0"/>
@@ -1132,16 +1188,16 @@
   </dgm:ptLst>
   <dgm:cxnLst>
     <dgm:cxn modelId="{208FC5A8-626C-5043-B923-BF0CD0E3E1D7}" srcId="{8A181F62-80F7-CF4C-85BF-ACC926709F8D}" destId="{5835DFC2-5AEF-1341-9FCC-8AF3A3B43670}" srcOrd="0" destOrd="0" parTransId="{A6864F11-7F44-254D-A839-1748824E5D32}" sibTransId="{353A9586-2836-7B44-9EE7-0AAE4BA98B66}"/>
+    <dgm:cxn modelId="{B509FB1A-9392-F34C-8EDD-95E5427F6B28}" type="presOf" srcId="{4645E10A-C9C7-C54B-85B0-0DD726292E90}" destId="{094A3587-536C-354E-9137-52D667C38F50}" srcOrd="1" destOrd="0" presId="urn:microsoft.com/office/officeart/2005/8/layout/hierarchy2"/>
+    <dgm:cxn modelId="{E7A7F4FF-C54F-DF47-B934-907164044826}" type="presOf" srcId="{43CCAF7C-056B-694F-8616-2B874B971065}" destId="{425E9248-BEEF-754F-914C-8B249570B579}" srcOrd="0" destOrd="0" presId="urn:microsoft.com/office/officeart/2005/8/layout/hierarchy2"/>
+    <dgm:cxn modelId="{D223F63D-97A4-5B4C-99E0-8AD6B57EF3FD}" srcId="{5835DFC2-5AEF-1341-9FCC-8AF3A3B43670}" destId="{60C1A6BE-0AF5-F543-A054-F845530DFBB1}" srcOrd="0" destOrd="0" parTransId="{E1D4B07E-DC86-BD4B-BAF5-3FDB86AC4EEE}" sibTransId="{082C9E90-E88D-AB40-9880-F8A3CD2011AF}"/>
+    <dgm:cxn modelId="{8488AFB6-CED8-D74C-8306-864BF9A18114}" type="presOf" srcId="{E1D4B07E-DC86-BD4B-BAF5-3FDB86AC4EEE}" destId="{4200E10C-E926-274C-82C2-EDC8E5422BB0}" srcOrd="0" destOrd="0" presId="urn:microsoft.com/office/officeart/2005/8/layout/hierarchy2"/>
+    <dgm:cxn modelId="{478C99EE-4BC9-6B4D-9A01-BCBF216AF271}" type="presOf" srcId="{60C1A6BE-0AF5-F543-A054-F845530DFBB1}" destId="{98D18875-63C2-F840-AB17-17D022B3BEDA}" srcOrd="0" destOrd="0" presId="urn:microsoft.com/office/officeart/2005/8/layout/hierarchy2"/>
+    <dgm:cxn modelId="{BDF16CD7-C323-7944-9D7C-2964D6CE7F50}" type="presOf" srcId="{5835DFC2-5AEF-1341-9FCC-8AF3A3B43670}" destId="{EC9D6CAE-606C-1F40-9C09-F0C58B59342A}" srcOrd="0" destOrd="0" presId="urn:microsoft.com/office/officeart/2005/8/layout/hierarchy2"/>
+    <dgm:cxn modelId="{66D496A2-4506-E44C-B932-A6F04ED0A65E}" type="presOf" srcId="{E1D4B07E-DC86-BD4B-BAF5-3FDB86AC4EEE}" destId="{7EB64505-D30E-7B44-AF78-79C71D5ED811}" srcOrd="1" destOrd="0" presId="urn:microsoft.com/office/officeart/2005/8/layout/hierarchy2"/>
     <dgm:cxn modelId="{A3919033-ED4A-384C-B376-439C0A79C4B8}" type="presOf" srcId="{4645E10A-C9C7-C54B-85B0-0DD726292E90}" destId="{7D9E9FB8-AE7D-7249-AFED-D3FF4937F9F3}" srcOrd="0" destOrd="0" presId="urn:microsoft.com/office/officeart/2005/8/layout/hierarchy2"/>
-    <dgm:cxn modelId="{E7A7F4FF-C54F-DF47-B934-907164044826}" type="presOf" srcId="{43CCAF7C-056B-694F-8616-2B874B971065}" destId="{425E9248-BEEF-754F-914C-8B249570B579}" srcOrd="0" destOrd="0" presId="urn:microsoft.com/office/officeart/2005/8/layout/hierarchy2"/>
-    <dgm:cxn modelId="{478C99EE-4BC9-6B4D-9A01-BCBF216AF271}" type="presOf" srcId="{60C1A6BE-0AF5-F543-A054-F845530DFBB1}" destId="{98D18875-63C2-F840-AB17-17D022B3BEDA}" srcOrd="0" destOrd="0" presId="urn:microsoft.com/office/officeart/2005/8/layout/hierarchy2"/>
     <dgm:cxn modelId="{EF341033-40DA-7C40-9518-407012BD4F0D}" srcId="{5835DFC2-5AEF-1341-9FCC-8AF3A3B43670}" destId="{43CCAF7C-056B-694F-8616-2B874B971065}" srcOrd="1" destOrd="0" parTransId="{4645E10A-C9C7-C54B-85B0-0DD726292E90}" sibTransId="{D865E321-CA93-DD4C-998F-FBFBA04BA11B}"/>
-    <dgm:cxn modelId="{66D496A2-4506-E44C-B932-A6F04ED0A65E}" type="presOf" srcId="{E1D4B07E-DC86-BD4B-BAF5-3FDB86AC4EEE}" destId="{7EB64505-D30E-7B44-AF78-79C71D5ED811}" srcOrd="1" destOrd="0" presId="urn:microsoft.com/office/officeart/2005/8/layout/hierarchy2"/>
-    <dgm:cxn modelId="{B509FB1A-9392-F34C-8EDD-95E5427F6B28}" type="presOf" srcId="{4645E10A-C9C7-C54B-85B0-0DD726292E90}" destId="{094A3587-536C-354E-9137-52D667C38F50}" srcOrd="1" destOrd="0" presId="urn:microsoft.com/office/officeart/2005/8/layout/hierarchy2"/>
-    <dgm:cxn modelId="{8488AFB6-CED8-D74C-8306-864BF9A18114}" type="presOf" srcId="{E1D4B07E-DC86-BD4B-BAF5-3FDB86AC4EEE}" destId="{4200E10C-E926-274C-82C2-EDC8E5422BB0}" srcOrd="0" destOrd="0" presId="urn:microsoft.com/office/officeart/2005/8/layout/hierarchy2"/>
-    <dgm:cxn modelId="{BDF16CD7-C323-7944-9D7C-2964D6CE7F50}" type="presOf" srcId="{5835DFC2-5AEF-1341-9FCC-8AF3A3B43670}" destId="{EC9D6CAE-606C-1F40-9C09-F0C58B59342A}" srcOrd="0" destOrd="0" presId="urn:microsoft.com/office/officeart/2005/8/layout/hierarchy2"/>
     <dgm:cxn modelId="{4C833EF4-4DDA-CB4A-B14C-BA18C4920BBC}" type="presOf" srcId="{8A181F62-80F7-CF4C-85BF-ACC926709F8D}" destId="{A6357506-B9C4-9B40-800C-80803D4A7405}" srcOrd="0" destOrd="0" presId="urn:microsoft.com/office/officeart/2005/8/layout/hierarchy2"/>
-    <dgm:cxn modelId="{D223F63D-97A4-5B4C-99E0-8AD6B57EF3FD}" srcId="{5835DFC2-5AEF-1341-9FCC-8AF3A3B43670}" destId="{60C1A6BE-0AF5-F543-A054-F845530DFBB1}" srcOrd="0" destOrd="0" parTransId="{E1D4B07E-DC86-BD4B-BAF5-3FDB86AC4EEE}" sibTransId="{082C9E90-E88D-AB40-9880-F8A3CD2011AF}"/>
     <dgm:cxn modelId="{39536F2C-B124-754C-838A-0203E980EED6}" type="presParOf" srcId="{A6357506-B9C4-9B40-800C-80803D4A7405}" destId="{D5D1A9D2-81BD-B046-8B5E-5A603A4F7FEA}" srcOrd="0" destOrd="0" presId="urn:microsoft.com/office/officeart/2005/8/layout/hierarchy2"/>
     <dgm:cxn modelId="{6D02B8A1-D50C-0C4C-B0A9-28E2C6A65957}" type="presParOf" srcId="{D5D1A9D2-81BD-B046-8B5E-5A603A4F7FEA}" destId="{EC9D6CAE-606C-1F40-9C09-F0C58B59342A}" srcOrd="0" destOrd="0" presId="urn:microsoft.com/office/officeart/2005/8/layout/hierarchy2"/>
     <dgm:cxn modelId="{54A24F93-F4D1-9F45-AFAB-C33E6A743FBC}" type="presParOf" srcId="{D5D1A9D2-81BD-B046-8B5E-5A603A4F7FEA}" destId="{64825C8C-0131-F042-BC5F-BB8B4C3D30D0}" srcOrd="1" destOrd="0" presId="urn:microsoft.com/office/officeart/2005/8/layout/hierarchy2"/>
@@ -3015,7 +3071,7 @@
             <a:fld id="{0F9B84EA-7D68-4D60-9CB1-D50884785D1C}" type="datetimeFigureOut">
               <a:rPr lang="zh-CN" altLang="en-US" smtClean="0"/>
               <a:pPr/>
-              <a:t>2018/3/24</a:t>
+              <a:t>2018/5/24</a:t>
             </a:fld>
             <a:endParaRPr lang="zh-CN" altLang="en-US"/>
           </a:p>
@@ -3186,7 +3242,7 @@
             <a:fld id="{7427AE1C-C8CA-495D-A1C3-F4E19E455D4D}" type="datetimeFigureOut">
               <a:rPr lang="zh-CN" altLang="en-US" smtClean="0"/>
               <a:pPr/>
-              <a:t>2018/3/24</a:t>
+              <a:t>2018/5/24</a:t>
             </a:fld>
             <a:endParaRPr lang="zh-CN" altLang="en-US"/>
           </a:p>
@@ -4021,7 +4077,7 @@
             <a:fld id="{0880C882-A448-4391-8676-F5947BC890DB}" type="datetimeFigureOut">
               <a:rPr lang="zh-CN" altLang="en-US" smtClean="0"/>
               <a:pPr/>
-              <a:t>2018/3/24</a:t>
+              <a:t>2018/5/24</a:t>
             </a:fld>
             <a:endParaRPr lang="zh-CN" altLang="en-US"/>
           </a:p>
@@ -4167,7 +4223,7 @@
             <a:fld id="{0880C882-A448-4391-8676-F5947BC890DB}" type="datetimeFigureOut">
               <a:rPr lang="zh-CN" altLang="en-US" smtClean="0"/>
               <a:pPr/>
-              <a:t>2018/3/24</a:t>
+              <a:t>2018/5/24</a:t>
             </a:fld>
             <a:endParaRPr lang="zh-CN" altLang="en-US"/>
           </a:p>
@@ -4370,7 +4426,7 @@
             <a:fld id="{530820CF-B880-4189-942D-D702A7CBA730}" type="datetimeFigureOut">
               <a:rPr lang="zh-CN" altLang="en-US" smtClean="0"/>
               <a:pPr/>
-              <a:t>2018/3/24</a:t>
+              <a:t>2018/5/24</a:t>
             </a:fld>
             <a:endParaRPr lang="zh-CN" altLang="en-US"/>
           </a:p>
@@ -4615,7 +4671,7 @@
                 </a:solidFill>
               </a:rPr>
               <a:pPr/>
-              <a:t>2018/3/24</a:t>
+              <a:t>2018/5/24</a:t>
             </a:fld>
             <a:endParaRPr lang="zh-CN" altLang="en-US">
               <a:solidFill>
@@ -4731,7 +4787,7 @@
             <a:fld id="{530820CF-B880-4189-942D-D702A7CBA730}" type="datetimeFigureOut">
               <a:rPr lang="zh-CN" altLang="en-US" smtClean="0"/>
               <a:pPr/>
-              <a:t>2018/3/24</a:t>
+              <a:t>2018/5/24</a:t>
             </a:fld>
             <a:endParaRPr lang="zh-CN" altLang="en-US"/>
           </a:p>
@@ -4942,7 +4998,7 @@
             <a:fld id="{0880C882-A448-4391-8676-F5947BC890DB}" type="datetimeFigureOut">
               <a:rPr lang="zh-CN" altLang="en-US" smtClean="0"/>
               <a:pPr/>
-              <a:t>2018/3/24</a:t>
+              <a:t>2018/5/24</a:t>
             </a:fld>
             <a:endParaRPr lang="zh-CN" altLang="en-US"/>
           </a:p>
@@ -5930,7 +5986,7 @@
           <p:cNvPr id="103" name="文本框 102">
             <a:extLst>
               <a:ext uri="{FF2B5EF4-FFF2-40B4-BE49-F238E27FC236}">
-                <a16:creationId xmlns="" xmlns:a16="http://schemas.microsoft.com/office/drawing/2014/main" id="{6096CE65-51C7-4A82-B165-B27A4099C33C}"/>
+                <a16:creationId xmlns:a16="http://schemas.microsoft.com/office/drawing/2014/main" xmlns="" id="{6096CE65-51C7-4A82-B165-B27A4099C33C}"/>
               </a:ext>
             </a:extLst>
           </p:cNvPr>
@@ -5979,7 +6035,7 @@
           <p:cNvPr id="104" name="文本框 103">
             <a:extLst>
               <a:ext uri="{FF2B5EF4-FFF2-40B4-BE49-F238E27FC236}">
-                <a16:creationId xmlns="" xmlns:a16="http://schemas.microsoft.com/office/drawing/2014/main" id="{59CF1341-4CE9-42BE-8BD6-7F1031DC762F}"/>
+                <a16:creationId xmlns:a16="http://schemas.microsoft.com/office/drawing/2014/main" xmlns="" id="{59CF1341-4CE9-42BE-8BD6-7F1031DC762F}"/>
               </a:ext>
             </a:extLst>
           </p:cNvPr>
@@ -6034,7 +6090,7 @@
           <p:cNvPr id="105" name="等腰三角形 104">
             <a:extLst>
               <a:ext uri="{FF2B5EF4-FFF2-40B4-BE49-F238E27FC236}">
-                <a16:creationId xmlns="" xmlns:a16="http://schemas.microsoft.com/office/drawing/2014/main" id="{B1E7F40D-E128-49D0-B4BA-3B4C1F491648}"/>
+                <a16:creationId xmlns:a16="http://schemas.microsoft.com/office/drawing/2014/main" xmlns="" id="{B1E7F40D-E128-49D0-B4BA-3B4C1F491648}"/>
               </a:ext>
             </a:extLst>
           </p:cNvPr>
@@ -6219,7 +6275,6 @@
                 <a:rPr kumimoji="1" lang="zh-CN" altLang="en-US" dirty="0"/>
                 <a:t> 的对象分类</a:t>
               </a:r>
-              <a:endParaRPr kumimoji="1" lang="zh-CN" altLang="en-US" dirty="0"/>
             </a:p>
           </p:txBody>
         </p:sp>
@@ -10790,7 +10845,7 @@
           <p:cNvPr id="103" name="文本框 102">
             <a:extLst>
               <a:ext uri="{FF2B5EF4-FFF2-40B4-BE49-F238E27FC236}">
-                <a16:creationId xmlns="" xmlns:a16="http://schemas.microsoft.com/office/drawing/2014/main" id="{6096CE65-51C7-4A82-B165-B27A4099C33C}"/>
+                <a16:creationId xmlns:a16="http://schemas.microsoft.com/office/drawing/2014/main" xmlns="" id="{6096CE65-51C7-4A82-B165-B27A4099C33C}"/>
               </a:ext>
             </a:extLst>
           </p:cNvPr>
@@ -10849,7 +10904,7 @@
           <p:cNvPr id="104" name="文本框 103">
             <a:extLst>
               <a:ext uri="{FF2B5EF4-FFF2-40B4-BE49-F238E27FC236}">
-                <a16:creationId xmlns="" xmlns:a16="http://schemas.microsoft.com/office/drawing/2014/main" id="{59CF1341-4CE9-42BE-8BD6-7F1031DC762F}"/>
+                <a16:creationId xmlns:a16="http://schemas.microsoft.com/office/drawing/2014/main" xmlns="" id="{59CF1341-4CE9-42BE-8BD6-7F1031DC762F}"/>
               </a:ext>
             </a:extLst>
           </p:cNvPr>
@@ -10904,7 +10959,7 @@
           <p:cNvPr id="105" name="等腰三角形 104">
             <a:extLst>
               <a:ext uri="{FF2B5EF4-FFF2-40B4-BE49-F238E27FC236}">
-                <a16:creationId xmlns="" xmlns:a16="http://schemas.microsoft.com/office/drawing/2014/main" id="{B1E7F40D-E128-49D0-B4BA-3B4C1F491648}"/>
+                <a16:creationId xmlns:a16="http://schemas.microsoft.com/office/drawing/2014/main" xmlns="" id="{B1E7F40D-E128-49D0-B4BA-3B4C1F491648}"/>
               </a:ext>
             </a:extLst>
           </p:cNvPr>
@@ -12364,7 +12419,7 @@
           <p:cNvPr id="35" name="组合 34">
             <a:extLst>
               <a:ext uri="{FF2B5EF4-FFF2-40B4-BE49-F238E27FC236}">
-                <a16:creationId xmlns="" xmlns:a16="http://schemas.microsoft.com/office/drawing/2014/main" id="{F6CFB8E5-BBB1-4AF5-A225-4A645A3247EA}"/>
+                <a16:creationId xmlns:a16="http://schemas.microsoft.com/office/drawing/2014/main" xmlns="" id="{F6CFB8E5-BBB1-4AF5-A225-4A645A3247EA}"/>
               </a:ext>
             </a:extLst>
           </p:cNvPr>
@@ -12386,7 +12441,7 @@
             <p:cNvPr id="36" name="椭圆 35">
               <a:extLst>
                 <a:ext uri="{FF2B5EF4-FFF2-40B4-BE49-F238E27FC236}">
-                  <a16:creationId xmlns="" xmlns:a16="http://schemas.microsoft.com/office/drawing/2014/main" id="{74EFCF5C-C7A5-425A-A307-CE51254B2294}"/>
+                  <a16:creationId xmlns:a16="http://schemas.microsoft.com/office/drawing/2014/main" xmlns="" id="{74EFCF5C-C7A5-425A-A307-CE51254B2294}"/>
                 </a:ext>
               </a:extLst>
             </p:cNvPr>
@@ -12476,7 +12531,7 @@
             <p:cNvPr id="37" name="椭圆 36">
               <a:extLst>
                 <a:ext uri="{FF2B5EF4-FFF2-40B4-BE49-F238E27FC236}">
-                  <a16:creationId xmlns="" xmlns:a16="http://schemas.microsoft.com/office/drawing/2014/main" id="{8116EB6E-1C7D-4110-B34B-7B3676B944C3}"/>
+                  <a16:creationId xmlns:a16="http://schemas.microsoft.com/office/drawing/2014/main" xmlns="" id="{8116EB6E-1C7D-4110-B34B-7B3676B944C3}"/>
                 </a:ext>
               </a:extLst>
             </p:cNvPr>
@@ -12544,7 +12599,7 @@
           <p:cNvPr id="49" name="组合 48">
             <a:extLst>
               <a:ext uri="{FF2B5EF4-FFF2-40B4-BE49-F238E27FC236}">
-                <a16:creationId xmlns="" xmlns:a16="http://schemas.microsoft.com/office/drawing/2014/main" id="{8C4BF7FF-3BFA-4ADC-926B-889ED1E1F188}"/>
+                <a16:creationId xmlns:a16="http://schemas.microsoft.com/office/drawing/2014/main" xmlns="" id="{8C4BF7FF-3BFA-4ADC-926B-889ED1E1F188}"/>
               </a:ext>
             </a:extLst>
           </p:cNvPr>
@@ -12566,7 +12621,7 @@
             <p:cNvPr id="50" name="椭圆 49">
               <a:extLst>
                 <a:ext uri="{FF2B5EF4-FFF2-40B4-BE49-F238E27FC236}">
-                  <a16:creationId xmlns="" xmlns:a16="http://schemas.microsoft.com/office/drawing/2014/main" id="{7DB216E0-1AC8-4BAB-BFC4-849982ECBC53}"/>
+                  <a16:creationId xmlns:a16="http://schemas.microsoft.com/office/drawing/2014/main" xmlns="" id="{7DB216E0-1AC8-4BAB-BFC4-849982ECBC53}"/>
                 </a:ext>
               </a:extLst>
             </p:cNvPr>
@@ -12656,7 +12711,7 @@
             <p:cNvPr id="51" name="椭圆 50">
               <a:extLst>
                 <a:ext uri="{FF2B5EF4-FFF2-40B4-BE49-F238E27FC236}">
-                  <a16:creationId xmlns="" xmlns:a16="http://schemas.microsoft.com/office/drawing/2014/main" id="{19CE7E4C-C9DE-46F7-9BA0-E440A163F8C9}"/>
+                  <a16:creationId xmlns:a16="http://schemas.microsoft.com/office/drawing/2014/main" xmlns="" id="{19CE7E4C-C9DE-46F7-9BA0-E440A163F8C9}"/>
                 </a:ext>
               </a:extLst>
             </p:cNvPr>
@@ -12724,7 +12779,7 @@
           <p:cNvPr id="52" name="组合 51">
             <a:extLst>
               <a:ext uri="{FF2B5EF4-FFF2-40B4-BE49-F238E27FC236}">
-                <a16:creationId xmlns="" xmlns:a16="http://schemas.microsoft.com/office/drawing/2014/main" id="{2E2EB95A-FDA0-482B-B7D3-6AFF49E05297}"/>
+                <a16:creationId xmlns:a16="http://schemas.microsoft.com/office/drawing/2014/main" xmlns="" id="{2E2EB95A-FDA0-482B-B7D3-6AFF49E05297}"/>
               </a:ext>
             </a:extLst>
           </p:cNvPr>
@@ -12746,7 +12801,7 @@
             <p:cNvPr id="53" name="椭圆 52">
               <a:extLst>
                 <a:ext uri="{FF2B5EF4-FFF2-40B4-BE49-F238E27FC236}">
-                  <a16:creationId xmlns="" xmlns:a16="http://schemas.microsoft.com/office/drawing/2014/main" id="{29FF8AF3-ACC2-467A-9ECF-82F02A982B31}"/>
+                  <a16:creationId xmlns:a16="http://schemas.microsoft.com/office/drawing/2014/main" xmlns="" id="{29FF8AF3-ACC2-467A-9ECF-82F02A982B31}"/>
                 </a:ext>
               </a:extLst>
             </p:cNvPr>
@@ -12836,7 +12891,7 @@
             <p:cNvPr id="54" name="椭圆 53">
               <a:extLst>
                 <a:ext uri="{FF2B5EF4-FFF2-40B4-BE49-F238E27FC236}">
-                  <a16:creationId xmlns="" xmlns:a16="http://schemas.microsoft.com/office/drawing/2014/main" id="{96EB812A-01CE-4357-A32F-A2B246B03909}"/>
+                  <a16:creationId xmlns:a16="http://schemas.microsoft.com/office/drawing/2014/main" xmlns="" id="{96EB812A-01CE-4357-A32F-A2B246B03909}"/>
                 </a:ext>
               </a:extLst>
             </p:cNvPr>
@@ -12904,7 +12959,7 @@
           <p:cNvPr id="55" name="组合 54">
             <a:extLst>
               <a:ext uri="{FF2B5EF4-FFF2-40B4-BE49-F238E27FC236}">
-                <a16:creationId xmlns="" xmlns:a16="http://schemas.microsoft.com/office/drawing/2014/main" id="{ADC8F183-6301-4E0F-8717-F2424D84B708}"/>
+                <a16:creationId xmlns:a16="http://schemas.microsoft.com/office/drawing/2014/main" xmlns="" id="{ADC8F183-6301-4E0F-8717-F2424D84B708}"/>
               </a:ext>
             </a:extLst>
           </p:cNvPr>
@@ -12926,7 +12981,7 @@
             <p:cNvPr id="56" name="椭圆 55">
               <a:extLst>
                 <a:ext uri="{FF2B5EF4-FFF2-40B4-BE49-F238E27FC236}">
-                  <a16:creationId xmlns="" xmlns:a16="http://schemas.microsoft.com/office/drawing/2014/main" id="{B35CBA88-148F-4696-A06A-1A0C5BFF561A}"/>
+                  <a16:creationId xmlns:a16="http://schemas.microsoft.com/office/drawing/2014/main" xmlns="" id="{B35CBA88-148F-4696-A06A-1A0C5BFF561A}"/>
                 </a:ext>
               </a:extLst>
             </p:cNvPr>
@@ -13016,7 +13071,7 @@
             <p:cNvPr id="57" name="椭圆 56">
               <a:extLst>
                 <a:ext uri="{FF2B5EF4-FFF2-40B4-BE49-F238E27FC236}">
-                  <a16:creationId xmlns="" xmlns:a16="http://schemas.microsoft.com/office/drawing/2014/main" id="{8B805144-7DBD-40CC-A6F2-250F2BB44780}"/>
+                  <a16:creationId xmlns:a16="http://schemas.microsoft.com/office/drawing/2014/main" xmlns="" id="{8B805144-7DBD-40CC-A6F2-250F2BB44780}"/>
                 </a:ext>
               </a:extLst>
             </p:cNvPr>
@@ -13084,7 +13139,7 @@
           <p:cNvPr id="58" name="椭圆 57">
             <a:extLst>
               <a:ext uri="{FF2B5EF4-FFF2-40B4-BE49-F238E27FC236}">
-                <a16:creationId xmlns="" xmlns:a16="http://schemas.microsoft.com/office/drawing/2014/main" id="{EAF34623-ED39-425A-8E24-EABF013048A2}"/>
+                <a16:creationId xmlns:a16="http://schemas.microsoft.com/office/drawing/2014/main" xmlns="" id="{EAF34623-ED39-425A-8E24-EABF013048A2}"/>
               </a:ext>
             </a:extLst>
           </p:cNvPr>
@@ -13151,7 +13206,7 @@
           <p:cNvPr id="59" name="组合 58">
             <a:extLst>
               <a:ext uri="{FF2B5EF4-FFF2-40B4-BE49-F238E27FC236}">
-                <a16:creationId xmlns="" xmlns:a16="http://schemas.microsoft.com/office/drawing/2014/main" id="{1DB98F89-F4CE-496E-BBD7-C083F5811EE9}"/>
+                <a16:creationId xmlns:a16="http://schemas.microsoft.com/office/drawing/2014/main" xmlns="" id="{1DB98F89-F4CE-496E-BBD7-C083F5811EE9}"/>
               </a:ext>
             </a:extLst>
           </p:cNvPr>
@@ -13178,7 +13233,7 @@
             <p:cNvPr id="60" name="同心圆 169">
               <a:extLst>
                 <a:ext uri="{FF2B5EF4-FFF2-40B4-BE49-F238E27FC236}">
-                  <a16:creationId xmlns="" xmlns:a16="http://schemas.microsoft.com/office/drawing/2014/main" id="{064D95BB-9510-4CB1-AF98-D9A26A3FE120}"/>
+                  <a16:creationId xmlns:a16="http://schemas.microsoft.com/office/drawing/2014/main" xmlns="" id="{064D95BB-9510-4CB1-AF98-D9A26A3FE120}"/>
                 </a:ext>
               </a:extLst>
             </p:cNvPr>
@@ -13255,7 +13310,7 @@
             <p:cNvPr id="61" name="椭圆 60">
               <a:extLst>
                 <a:ext uri="{FF2B5EF4-FFF2-40B4-BE49-F238E27FC236}">
-                  <a16:creationId xmlns="" xmlns:a16="http://schemas.microsoft.com/office/drawing/2014/main" id="{BB6B5113-1D64-409B-8EAF-115513890605}"/>
+                  <a16:creationId xmlns:a16="http://schemas.microsoft.com/office/drawing/2014/main" xmlns="" id="{BB6B5113-1D64-409B-8EAF-115513890605}"/>
                 </a:ext>
               </a:extLst>
             </p:cNvPr>
@@ -13331,7 +13386,7 @@
           <p:cNvPr id="62" name="组合 61">
             <a:extLst>
               <a:ext uri="{FF2B5EF4-FFF2-40B4-BE49-F238E27FC236}">
-                <a16:creationId xmlns="" xmlns:a16="http://schemas.microsoft.com/office/drawing/2014/main" id="{0748E50C-2958-4BA3-8FB5-5870CC57B08F}"/>
+                <a16:creationId xmlns:a16="http://schemas.microsoft.com/office/drawing/2014/main" xmlns="" id="{0748E50C-2958-4BA3-8FB5-5870CC57B08F}"/>
               </a:ext>
             </a:extLst>
           </p:cNvPr>
@@ -13358,7 +13413,7 @@
             <p:cNvPr id="63" name="同心圆 172">
               <a:extLst>
                 <a:ext uri="{FF2B5EF4-FFF2-40B4-BE49-F238E27FC236}">
-                  <a16:creationId xmlns="" xmlns:a16="http://schemas.microsoft.com/office/drawing/2014/main" id="{5E8D2C3D-4FB4-44E8-9AA1-2373AA047EBB}"/>
+                  <a16:creationId xmlns:a16="http://schemas.microsoft.com/office/drawing/2014/main" xmlns="" id="{5E8D2C3D-4FB4-44E8-9AA1-2373AA047EBB}"/>
                 </a:ext>
               </a:extLst>
             </p:cNvPr>
@@ -13435,7 +13490,7 @@
             <p:cNvPr id="64" name="椭圆 63">
               <a:extLst>
                 <a:ext uri="{FF2B5EF4-FFF2-40B4-BE49-F238E27FC236}">
-                  <a16:creationId xmlns="" xmlns:a16="http://schemas.microsoft.com/office/drawing/2014/main" id="{00AEEB15-C255-40B8-A2B6-1FE74434ADDA}"/>
+                  <a16:creationId xmlns:a16="http://schemas.microsoft.com/office/drawing/2014/main" xmlns="" id="{00AEEB15-C255-40B8-A2B6-1FE74434ADDA}"/>
                 </a:ext>
               </a:extLst>
             </p:cNvPr>
@@ -13511,7 +13566,7 @@
           <p:cNvPr id="65" name="椭圆 64">
             <a:extLst>
               <a:ext uri="{FF2B5EF4-FFF2-40B4-BE49-F238E27FC236}">
-                <a16:creationId xmlns="" xmlns:a16="http://schemas.microsoft.com/office/drawing/2014/main" id="{F9AECAA2-629F-4C0F-A711-C1BCDB1D2A79}"/>
+                <a16:creationId xmlns:a16="http://schemas.microsoft.com/office/drawing/2014/main" xmlns="" id="{F9AECAA2-629F-4C0F-A711-C1BCDB1D2A79}"/>
               </a:ext>
             </a:extLst>
           </p:cNvPr>
@@ -13578,7 +13633,7 @@
           <p:cNvPr id="66" name="椭圆 65">
             <a:extLst>
               <a:ext uri="{FF2B5EF4-FFF2-40B4-BE49-F238E27FC236}">
-                <a16:creationId xmlns="" xmlns:a16="http://schemas.microsoft.com/office/drawing/2014/main" id="{D97838A9-3CCF-4D5D-B890-C3973BF59D8A}"/>
+                <a16:creationId xmlns:a16="http://schemas.microsoft.com/office/drawing/2014/main" xmlns="" id="{D97838A9-3CCF-4D5D-B890-C3973BF59D8A}"/>
               </a:ext>
             </a:extLst>
           </p:cNvPr>
@@ -13645,7 +13700,7 @@
           <p:cNvPr id="67" name="椭圆 66">
             <a:extLst>
               <a:ext uri="{FF2B5EF4-FFF2-40B4-BE49-F238E27FC236}">
-                <a16:creationId xmlns="" xmlns:a16="http://schemas.microsoft.com/office/drawing/2014/main" id="{EF8626CE-B913-41B0-9A75-30FC8C2E23C8}"/>
+                <a16:creationId xmlns:a16="http://schemas.microsoft.com/office/drawing/2014/main" xmlns="" id="{EF8626CE-B913-41B0-9A75-30FC8C2E23C8}"/>
               </a:ext>
             </a:extLst>
           </p:cNvPr>
@@ -13712,7 +13767,7 @@
           <p:cNvPr id="68" name="椭圆 67">
             <a:extLst>
               <a:ext uri="{FF2B5EF4-FFF2-40B4-BE49-F238E27FC236}">
-                <a16:creationId xmlns="" xmlns:a16="http://schemas.microsoft.com/office/drawing/2014/main" id="{969C1623-2C0B-42FA-802E-23EAA52E8CEC}"/>
+                <a16:creationId xmlns:a16="http://schemas.microsoft.com/office/drawing/2014/main" xmlns="" id="{969C1623-2C0B-42FA-802E-23EAA52E8CEC}"/>
               </a:ext>
             </a:extLst>
           </p:cNvPr>
@@ -13779,7 +13834,7 @@
           <p:cNvPr id="7" name="直接连接符 6">
             <a:extLst>
               <a:ext uri="{FF2B5EF4-FFF2-40B4-BE49-F238E27FC236}">
-                <a16:creationId xmlns="" xmlns:a16="http://schemas.microsoft.com/office/drawing/2014/main" id="{2663A9D0-5C5A-4197-8EDD-FF02F0F82E98}"/>
+                <a16:creationId xmlns:a16="http://schemas.microsoft.com/office/drawing/2014/main" xmlns="" id="{2663A9D0-5C5A-4197-8EDD-FF02F0F82E98}"/>
               </a:ext>
             </a:extLst>
           </p:cNvPr>
@@ -15134,7 +15189,7 @@
           <p:cNvPr id="103" name="文本框 102">
             <a:extLst>
               <a:ext uri="{FF2B5EF4-FFF2-40B4-BE49-F238E27FC236}">
-                <a16:creationId xmlns="" xmlns:a16="http://schemas.microsoft.com/office/drawing/2014/main" id="{6096CE65-51C7-4A82-B165-B27A4099C33C}"/>
+                <a16:creationId xmlns:a16="http://schemas.microsoft.com/office/drawing/2014/main" xmlns="" id="{6096CE65-51C7-4A82-B165-B27A4099C33C}"/>
               </a:ext>
             </a:extLst>
           </p:cNvPr>
@@ -15193,7 +15248,7 @@
           <p:cNvPr id="104" name="文本框 103">
             <a:extLst>
               <a:ext uri="{FF2B5EF4-FFF2-40B4-BE49-F238E27FC236}">
-                <a16:creationId xmlns="" xmlns:a16="http://schemas.microsoft.com/office/drawing/2014/main" id="{59CF1341-4CE9-42BE-8BD6-7F1031DC762F}"/>
+                <a16:creationId xmlns:a16="http://schemas.microsoft.com/office/drawing/2014/main" xmlns="" id="{59CF1341-4CE9-42BE-8BD6-7F1031DC762F}"/>
               </a:ext>
             </a:extLst>
           </p:cNvPr>
@@ -15248,7 +15303,7 @@
           <p:cNvPr id="105" name="等腰三角形 104">
             <a:extLst>
               <a:ext uri="{FF2B5EF4-FFF2-40B4-BE49-F238E27FC236}">
-                <a16:creationId xmlns="" xmlns:a16="http://schemas.microsoft.com/office/drawing/2014/main" id="{B1E7F40D-E128-49D0-B4BA-3B4C1F491648}"/>
+                <a16:creationId xmlns:a16="http://schemas.microsoft.com/office/drawing/2014/main" xmlns="" id="{B1E7F40D-E128-49D0-B4BA-3B4C1F491648}"/>
               </a:ext>
             </a:extLst>
           </p:cNvPr>

--- a/聊聊NSObject.pptx
+++ b/聊聊NSObject.pptx
@@ -12,19 +12,19 @@
   </p:handoutMasterIdLst>
   <p:sldIdLst>
     <p:sldId id="326" r:id="rId2"/>
-    <p:sldId id="311" r:id="rId3"/>
-    <p:sldId id="325" r:id="rId4"/>
-    <p:sldId id="320" r:id="rId5"/>
-    <p:sldId id="321" r:id="rId6"/>
-    <p:sldId id="335" r:id="rId7"/>
-    <p:sldId id="336" r:id="rId8"/>
-    <p:sldId id="337" r:id="rId9"/>
-    <p:sldId id="338" r:id="rId10"/>
-    <p:sldId id="330" r:id="rId11"/>
-    <p:sldId id="339" r:id="rId12"/>
-    <p:sldId id="340" r:id="rId13"/>
-    <p:sldId id="341" r:id="rId14"/>
-    <p:sldId id="342" r:id="rId15"/>
+    <p:sldId id="325" r:id="rId3"/>
+    <p:sldId id="320" r:id="rId4"/>
+    <p:sldId id="321" r:id="rId5"/>
+    <p:sldId id="335" r:id="rId6"/>
+    <p:sldId id="336" r:id="rId7"/>
+    <p:sldId id="337" r:id="rId8"/>
+    <p:sldId id="338" r:id="rId9"/>
+    <p:sldId id="330" r:id="rId10"/>
+    <p:sldId id="339" r:id="rId11"/>
+    <p:sldId id="340" r:id="rId12"/>
+    <p:sldId id="341" r:id="rId13"/>
+    <p:sldId id="342" r:id="rId14"/>
+    <p:sldId id="346" r:id="rId15"/>
     <p:sldId id="343" r:id="rId16"/>
     <p:sldId id="344" r:id="rId17"/>
     <p:sldId id="334" r:id="rId18"/>
@@ -3071,7 +3071,7 @@
             <a:fld id="{0F9B84EA-7D68-4D60-9CB1-D50884785D1C}" type="datetimeFigureOut">
               <a:rPr lang="zh-CN" altLang="en-US" smtClean="0"/>
               <a:pPr/>
-              <a:t>2018/5/24</a:t>
+              <a:t>2018/6/4</a:t>
             </a:fld>
             <a:endParaRPr lang="zh-CN" altLang="en-US"/>
           </a:p>
@@ -3242,7 +3242,7 @@
             <a:fld id="{7427AE1C-C8CA-495D-A1C3-F4E19E455D4D}" type="datetimeFigureOut">
               <a:rPr lang="zh-CN" altLang="en-US" smtClean="0"/>
               <a:pPr/>
-              <a:t>2018/5/24</a:t>
+              <a:t>2018/6/4</a:t>
             </a:fld>
             <a:endParaRPr lang="zh-CN" altLang="en-US"/>
           </a:p>
@@ -3665,7 +3665,7 @@
             <a:fld id="{572CFE39-E4F3-4BD9-A16E-9B3A0A705C4D}" type="slidenum">
               <a:rPr lang="zh-CN" altLang="en-US" smtClean="0"/>
               <a:pPr/>
-              <a:t>14</a:t>
+              <a:t>13</a:t>
             </a:fld>
             <a:endParaRPr lang="zh-CN" altLang="en-US"/>
           </a:p>
@@ -4077,7 +4077,7 @@
             <a:fld id="{0880C882-A448-4391-8676-F5947BC890DB}" type="datetimeFigureOut">
               <a:rPr lang="zh-CN" altLang="en-US" smtClean="0"/>
               <a:pPr/>
-              <a:t>2018/5/24</a:t>
+              <a:t>2018/6/4</a:t>
             </a:fld>
             <a:endParaRPr lang="zh-CN" altLang="en-US"/>
           </a:p>
@@ -4223,7 +4223,7 @@
             <a:fld id="{0880C882-A448-4391-8676-F5947BC890DB}" type="datetimeFigureOut">
               <a:rPr lang="zh-CN" altLang="en-US" smtClean="0"/>
               <a:pPr/>
-              <a:t>2018/5/24</a:t>
+              <a:t>2018/6/4</a:t>
             </a:fld>
             <a:endParaRPr lang="zh-CN" altLang="en-US"/>
           </a:p>
@@ -4426,7 +4426,7 @@
             <a:fld id="{530820CF-B880-4189-942D-D702A7CBA730}" type="datetimeFigureOut">
               <a:rPr lang="zh-CN" altLang="en-US" smtClean="0"/>
               <a:pPr/>
-              <a:t>2018/5/24</a:t>
+              <a:t>2018/6/4</a:t>
             </a:fld>
             <a:endParaRPr lang="zh-CN" altLang="en-US"/>
           </a:p>
@@ -4671,7 +4671,7 @@
                 </a:solidFill>
               </a:rPr>
               <a:pPr/>
-              <a:t>2018/5/24</a:t>
+              <a:t>2018/6/4</a:t>
             </a:fld>
             <a:endParaRPr lang="zh-CN" altLang="en-US">
               <a:solidFill>
@@ -4787,7 +4787,7 @@
             <a:fld id="{530820CF-B880-4189-942D-D702A7CBA730}" type="datetimeFigureOut">
               <a:rPr lang="zh-CN" altLang="en-US" smtClean="0"/>
               <a:pPr/>
-              <a:t>2018/5/24</a:t>
+              <a:t>2018/6/4</a:t>
             </a:fld>
             <a:endParaRPr lang="zh-CN" altLang="en-US"/>
           </a:p>
@@ -4998,7 +4998,7 @@
             <a:fld id="{0880C882-A448-4391-8676-F5947BC890DB}" type="datetimeFigureOut">
               <a:rPr lang="zh-CN" altLang="en-US" smtClean="0"/>
               <a:pPr/>
-              <a:t>2018/5/24</a:t>
+              <a:t>2018/6/4</a:t>
             </a:fld>
             <a:endParaRPr lang="zh-CN" altLang="en-US"/>
           </a:p>
@@ -5981,206 +5981,6 @@
           <a:chExt cx="0" cy="0"/>
         </a:xfrm>
       </p:grpSpPr>
-      <p:sp>
-        <p:nvSpPr>
-          <p:cNvPr id="103" name="文本框 102">
-            <a:extLst>
-              <a:ext uri="{FF2B5EF4-FFF2-40B4-BE49-F238E27FC236}">
-                <a16:creationId xmlns:a16="http://schemas.microsoft.com/office/drawing/2014/main" xmlns="" id="{6096CE65-51C7-4A82-B165-B27A4099C33C}"/>
-              </a:ext>
-            </a:extLst>
-          </p:cNvPr>
-          <p:cNvSpPr txBox="1"/>
-          <p:nvPr/>
-        </p:nvSpPr>
-        <p:spPr>
-          <a:xfrm flipH="1">
-            <a:off x="3836974" y="4376651"/>
-            <a:ext cx="4322287" cy="707886"/>
-          </a:xfrm>
-          <a:prstGeom prst="rect">
-            <a:avLst/>
-          </a:prstGeom>
-          <a:noFill/>
-        </p:spPr>
-        <p:txBody>
-          <a:bodyPr wrap="square" rtlCol="0">
-            <a:spAutoFit/>
-          </a:bodyPr>
-          <a:lstStyle/>
-          <a:p>
-            <a:pPr marL="0" lvl="1"/>
-            <a:r>
-              <a:rPr lang="zh-CN" altLang="en-US" sz="4000" b="1" smtClean="0">
-                <a:solidFill>
-                  <a:schemeClr val="accent1"/>
-                </a:solidFill>
-                <a:latin typeface="微软雅黑" pitchFamily="34" charset="-122"/>
-                <a:ea typeface="微软雅黑" pitchFamily="34" charset="-122"/>
-              </a:rPr>
-              <a:t>对象分类</a:t>
-            </a:r>
-            <a:endParaRPr lang="en-US" altLang="zh-CN" sz="4000" b="1" dirty="0">
-              <a:solidFill>
-                <a:schemeClr val="accent1"/>
-              </a:solidFill>
-              <a:latin typeface="微软雅黑" pitchFamily="34" charset="-122"/>
-              <a:ea typeface="微软雅黑" pitchFamily="34" charset="-122"/>
-            </a:endParaRPr>
-          </a:p>
-        </p:txBody>
-      </p:sp>
-      <p:sp>
-        <p:nvSpPr>
-          <p:cNvPr id="104" name="文本框 103">
-            <a:extLst>
-              <a:ext uri="{FF2B5EF4-FFF2-40B4-BE49-F238E27FC236}">
-                <a16:creationId xmlns:a16="http://schemas.microsoft.com/office/drawing/2014/main" xmlns="" id="{59CF1341-4CE9-42BE-8BD6-7F1031DC762F}"/>
-              </a:ext>
-            </a:extLst>
-          </p:cNvPr>
-          <p:cNvSpPr txBox="1"/>
-          <p:nvPr/>
-        </p:nvSpPr>
-        <p:spPr>
-          <a:xfrm>
-            <a:off x="443426" y="3784477"/>
-            <a:ext cx="2743200" cy="1938992"/>
-          </a:xfrm>
-          <a:prstGeom prst="rect">
-            <a:avLst/>
-          </a:prstGeom>
-          <a:noFill/>
-        </p:spPr>
-        <p:txBody>
-          <a:bodyPr wrap="square" rtlCol="0">
-            <a:spAutoFit/>
-          </a:bodyPr>
-          <a:lstStyle/>
-          <a:p>
-            <a:pPr algn="ctr"/>
-            <a:r>
-              <a:rPr lang="en-US" altLang="zh-CN" sz="12000" dirty="0">
-                <a:solidFill>
-                  <a:schemeClr val="bg1">
-                    <a:lumMod val="75000"/>
-                  </a:schemeClr>
-                </a:solidFill>
-                <a:latin typeface="微软雅黑" panose="020B0503020204020204" charset="-122"/>
-                <a:ea typeface="微软雅黑" panose="020B0503020204020204" charset="-122"/>
-                <a:cs typeface="微软雅黑" panose="020B0503020204020204" charset="-122"/>
-              </a:rPr>
-              <a:t>02</a:t>
-            </a:r>
-            <a:endParaRPr lang="zh-CN" altLang="en-US" sz="12000" dirty="0">
-              <a:solidFill>
-                <a:schemeClr val="bg1">
-                  <a:lumMod val="75000"/>
-                </a:schemeClr>
-              </a:solidFill>
-              <a:latin typeface="微软雅黑" panose="020B0503020204020204" charset="-122"/>
-              <a:ea typeface="微软雅黑" panose="020B0503020204020204" charset="-122"/>
-              <a:cs typeface="微软雅黑" panose="020B0503020204020204" charset="-122"/>
-            </a:endParaRPr>
-          </a:p>
-        </p:txBody>
-      </p:sp>
-      <p:sp>
-        <p:nvSpPr>
-          <p:cNvPr id="105" name="等腰三角形 104">
-            <a:extLst>
-              <a:ext uri="{FF2B5EF4-FFF2-40B4-BE49-F238E27FC236}">
-                <a16:creationId xmlns:a16="http://schemas.microsoft.com/office/drawing/2014/main" xmlns="" id="{B1E7F40D-E128-49D0-B4BA-3B4C1F491648}"/>
-              </a:ext>
-            </a:extLst>
-          </p:cNvPr>
-          <p:cNvSpPr/>
-          <p:nvPr/>
-        </p:nvSpPr>
-        <p:spPr>
-          <a:xfrm rot="5400000">
-            <a:off x="2830434" y="4319077"/>
-            <a:ext cx="998352" cy="860644"/>
-          </a:xfrm>
-          <a:prstGeom prst="triangle">
-            <a:avLst/>
-          </a:prstGeom>
-          <a:solidFill>
-            <a:schemeClr val="accent1"/>
-          </a:solidFill>
-          <a:ln>
-            <a:noFill/>
-          </a:ln>
-        </p:spPr>
-        <p:style>
-          <a:lnRef idx="2">
-            <a:schemeClr val="accent1">
-              <a:shade val="50000"/>
-            </a:schemeClr>
-          </a:lnRef>
-          <a:fillRef idx="1">
-            <a:schemeClr val="accent1"/>
-          </a:fillRef>
-          <a:effectRef idx="0">
-            <a:schemeClr val="accent1"/>
-          </a:effectRef>
-          <a:fontRef idx="minor">
-            <a:schemeClr val="lt1"/>
-          </a:fontRef>
-        </p:style>
-        <p:txBody>
-          <a:bodyPr rtlCol="0" anchor="ctr"/>
-          <a:lstStyle/>
-          <a:p>
-            <a:pPr algn="ctr"/>
-            <a:endParaRPr lang="zh-CN" altLang="en-US">
-              <a:latin typeface="微软雅黑" panose="020B0503020204020204" charset="-122"/>
-              <a:ea typeface="微软雅黑" panose="020B0503020204020204" charset="-122"/>
-              <a:cs typeface="微软雅黑" panose="020B0503020204020204" charset="-122"/>
-            </a:endParaRPr>
-          </a:p>
-        </p:txBody>
-      </p:sp>
-    </p:spTree>
-    <p:extLst>
-      <p:ext uri="{BB962C8B-B14F-4D97-AF65-F5344CB8AC3E}">
-        <p14:creationId xmlns:p14="http://schemas.microsoft.com/office/powerpoint/2010/main" val="3863445124"/>
-      </p:ext>
-    </p:extLst>
-  </p:cSld>
-  <p:clrMapOvr>
-    <a:masterClrMapping/>
-  </p:clrMapOvr>
-  <p:transition spd="slow">
-    <p:wipe/>
-  </p:transition>
-  <p:timing>
-    <p:tnLst>
-      <p:par>
-        <p:cTn id="1" dur="indefinite" restart="never" nodeType="tmRoot"/>
-      </p:par>
-    </p:tnLst>
-  </p:timing>
-</p:sld>
-</file>
-
-<file path=ppt/slides/slide11.xml><?xml version="1.0" encoding="utf-8"?>
-<p:sld xmlns:a="http://schemas.openxmlformats.org/drawingml/2006/main" xmlns:r="http://schemas.openxmlformats.org/officeDocument/2006/relationships" xmlns:p="http://schemas.openxmlformats.org/presentationml/2006/main">
-  <p:cSld>
-    <p:spTree>
-      <p:nvGrpSpPr>
-        <p:cNvPr id="1" name=""/>
-        <p:cNvGrpSpPr/>
-        <p:nvPr/>
-      </p:nvGrpSpPr>
-      <p:grpSpPr>
-        <a:xfrm>
-          <a:off x="0" y="0"/>
-          <a:ext cx="0" cy="0"/>
-          <a:chOff x="0" y="0"/>
-          <a:chExt cx="0" cy="0"/>
-        </a:xfrm>
-      </p:grpSpPr>
       <p:grpSp>
         <p:nvGrpSpPr>
           <p:cNvPr id="2" name="组 1"/>
@@ -6473,7 +6273,7 @@
 </p:sld>
 </file>
 
-<file path=ppt/slides/slide12.xml><?xml version="1.0" encoding="utf-8"?>
+<file path=ppt/slides/slide11.xml><?xml version="1.0" encoding="utf-8"?>
 <p:sld xmlns:a="http://schemas.openxmlformats.org/drawingml/2006/main" xmlns:r="http://schemas.openxmlformats.org/officeDocument/2006/relationships" xmlns:p="http://schemas.openxmlformats.org/presentationml/2006/main">
   <p:cSld>
     <p:spTree>
@@ -7447,7 +7247,7 @@
 </p:sld>
 </file>
 
-<file path=ppt/slides/slide13.xml><?xml version="1.0" encoding="utf-8"?>
+<file path=ppt/slides/slide12.xml><?xml version="1.0" encoding="utf-8"?>
 <p:sld xmlns:a="http://schemas.openxmlformats.org/drawingml/2006/main" xmlns:r="http://schemas.openxmlformats.org/officeDocument/2006/relationships" xmlns:p="http://schemas.openxmlformats.org/presentationml/2006/main">
   <p:cSld>
     <p:spTree>
@@ -8389,7 +8189,7 @@
 </p:sld>
 </file>
 
-<file path=ppt/slides/slide14.xml><?xml version="1.0" encoding="utf-8"?>
+<file path=ppt/slides/slide13.xml><?xml version="1.0" encoding="utf-8"?>
 <p:sld xmlns:a="http://schemas.openxmlformats.org/drawingml/2006/main" xmlns:r="http://schemas.openxmlformats.org/officeDocument/2006/relationships" xmlns:p="http://schemas.openxmlformats.org/presentationml/2006/main">
   <p:cSld>
     <p:spTree>
@@ -9446,6 +9246,300 @@
 </p:sld>
 </file>
 
+<file path=ppt/slides/slide14.xml><?xml version="1.0" encoding="utf-8"?>
+<p:sld xmlns:a="http://schemas.openxmlformats.org/drawingml/2006/main" xmlns:r="http://schemas.openxmlformats.org/officeDocument/2006/relationships" xmlns:p="http://schemas.openxmlformats.org/presentationml/2006/main">
+  <p:cSld>
+    <p:spTree>
+      <p:nvGrpSpPr>
+        <p:cNvPr id="1" name=""/>
+        <p:cNvGrpSpPr/>
+        <p:nvPr/>
+      </p:nvGrpSpPr>
+      <p:grpSpPr>
+        <a:xfrm>
+          <a:off x="0" y="0"/>
+          <a:ext cx="0" cy="0"/>
+          <a:chOff x="0" y="0"/>
+          <a:chExt cx="0" cy="0"/>
+        </a:xfrm>
+      </p:grpSpPr>
+      <p:sp>
+        <p:nvSpPr>
+          <p:cNvPr id="2" name="矩形 1"/>
+          <p:cNvSpPr/>
+          <p:nvPr/>
+        </p:nvSpPr>
+        <p:spPr>
+          <a:xfrm>
+            <a:off x="2929876" y="4822224"/>
+            <a:ext cx="5695141" cy="1133732"/>
+          </a:xfrm>
+          <a:prstGeom prst="rect">
+            <a:avLst/>
+          </a:prstGeom>
+          <a:solidFill>
+            <a:schemeClr val="accent1"/>
+          </a:solidFill>
+          <a:ln w="12700">
+            <a:miter lim="400000"/>
+          </a:ln>
+        </p:spPr>
+        <p:txBody>
+          <a:bodyPr lIns="22860" tIns="22860" rIns="22860" bIns="22860" rtlCol="0" anchor="ctr"/>
+          <a:lstStyle/>
+          <a:p>
+            <a:pPr algn="ctr" defTabSz="457189"/>
+            <a:r>
+              <a:rPr kumimoji="1" lang="en-US" altLang="zh-CN" sz="2800" smtClean="0">
+                <a:latin typeface="Gill Sans"/>
+                <a:ea typeface="Gill Sans"/>
+                <a:cs typeface="Gill Sans"/>
+                <a:sym typeface="Gill Sans"/>
+              </a:rPr>
+              <a:t>meta-Class</a:t>
+            </a:r>
+            <a:endParaRPr kumimoji="1" lang="zh-CN" altLang="en-US" sz="2800" dirty="0">
+              <a:latin typeface="Gill Sans"/>
+              <a:ea typeface="Gill Sans"/>
+              <a:cs typeface="Gill Sans"/>
+              <a:sym typeface="Gill Sans"/>
+            </a:endParaRPr>
+          </a:p>
+        </p:txBody>
+      </p:sp>
+      <p:sp>
+        <p:nvSpPr>
+          <p:cNvPr id="3" name="矩形 2"/>
+          <p:cNvSpPr/>
+          <p:nvPr/>
+        </p:nvSpPr>
+        <p:spPr>
+          <a:xfrm>
+            <a:off x="2958706" y="3442376"/>
+            <a:ext cx="5695141" cy="1133732"/>
+          </a:xfrm>
+          <a:prstGeom prst="rect">
+            <a:avLst/>
+          </a:prstGeom>
+          <a:solidFill>
+            <a:schemeClr val="accent1"/>
+          </a:solidFill>
+          <a:ln w="12700">
+            <a:miter lim="400000"/>
+          </a:ln>
+        </p:spPr>
+        <p:txBody>
+          <a:bodyPr lIns="22860" tIns="22860" rIns="22860" bIns="22860" rtlCol="0" anchor="ctr"/>
+          <a:lstStyle/>
+          <a:p>
+            <a:pPr algn="ctr" defTabSz="457189"/>
+            <a:r>
+              <a:rPr kumimoji="1" lang="en-US" altLang="zh-CN" sz="2800" dirty="0" smtClean="0">
+                <a:latin typeface="Gill Sans"/>
+                <a:ea typeface="Gill Sans"/>
+                <a:cs typeface="Gill Sans"/>
+                <a:sym typeface="Gill Sans"/>
+              </a:rPr>
+              <a:t>Class</a:t>
+            </a:r>
+            <a:endParaRPr kumimoji="1" lang="zh-CN" altLang="en-US" sz="2800" dirty="0">
+              <a:latin typeface="Gill Sans"/>
+              <a:ea typeface="Gill Sans"/>
+              <a:cs typeface="Gill Sans"/>
+              <a:sym typeface="Gill Sans"/>
+            </a:endParaRPr>
+          </a:p>
+        </p:txBody>
+      </p:sp>
+      <p:sp>
+        <p:nvSpPr>
+          <p:cNvPr id="4" name="椭圆 3"/>
+          <p:cNvSpPr/>
+          <p:nvPr/>
+        </p:nvSpPr>
+        <p:spPr>
+          <a:xfrm>
+            <a:off x="3459892" y="2397211"/>
+            <a:ext cx="914400" cy="914400"/>
+          </a:xfrm>
+          <a:prstGeom prst="ellipse">
+            <a:avLst/>
+          </a:prstGeom>
+          <a:solidFill>
+            <a:schemeClr val="accent1"/>
+          </a:solidFill>
+          <a:ln w="12700">
+            <a:miter lim="400000"/>
+          </a:ln>
+        </p:spPr>
+        <p:txBody>
+          <a:bodyPr lIns="22860" tIns="22860" rIns="22860" bIns="22860" rtlCol="0" anchor="ctr"/>
+          <a:lstStyle/>
+          <a:p>
+            <a:pPr algn="ctr" defTabSz="457189"/>
+            <a:r>
+              <a:rPr kumimoji="1" lang="en-US" altLang="zh-CN" sz="2800" smtClean="0">
+                <a:latin typeface="Gill Sans"/>
+                <a:ea typeface="Gill Sans"/>
+                <a:cs typeface="Gill Sans"/>
+                <a:sym typeface="Gill Sans"/>
+              </a:rPr>
+              <a:t>1</a:t>
+            </a:r>
+            <a:endParaRPr kumimoji="1" lang="zh-CN" altLang="en-US" sz="2800" dirty="0">
+              <a:latin typeface="Gill Sans"/>
+              <a:ea typeface="Gill Sans"/>
+              <a:cs typeface="Gill Sans"/>
+              <a:sym typeface="Gill Sans"/>
+            </a:endParaRPr>
+          </a:p>
+        </p:txBody>
+      </p:sp>
+      <p:sp>
+        <p:nvSpPr>
+          <p:cNvPr id="5" name="椭圆 4"/>
+          <p:cNvSpPr/>
+          <p:nvPr/>
+        </p:nvSpPr>
+        <p:spPr>
+          <a:xfrm>
+            <a:off x="4674973" y="2404918"/>
+            <a:ext cx="914400" cy="914400"/>
+          </a:xfrm>
+          <a:prstGeom prst="ellipse">
+            <a:avLst/>
+          </a:prstGeom>
+          <a:solidFill>
+            <a:schemeClr val="accent1"/>
+          </a:solidFill>
+          <a:ln w="12700">
+            <a:miter lim="400000"/>
+          </a:ln>
+        </p:spPr>
+        <p:txBody>
+          <a:bodyPr lIns="22860" tIns="22860" rIns="22860" bIns="22860" rtlCol="0" anchor="ctr"/>
+          <a:lstStyle/>
+          <a:p>
+            <a:pPr algn="ctr" defTabSz="457189"/>
+            <a:r>
+              <a:rPr kumimoji="1" lang="en-US" altLang="zh-CN" sz="2800" smtClean="0">
+                <a:latin typeface="Gill Sans"/>
+                <a:ea typeface="Gill Sans"/>
+                <a:cs typeface="Gill Sans"/>
+                <a:sym typeface="Gill Sans"/>
+              </a:rPr>
+              <a:t>2</a:t>
+            </a:r>
+            <a:endParaRPr kumimoji="1" lang="zh-CN" altLang="en-US" sz="2800" dirty="0">
+              <a:latin typeface="Gill Sans"/>
+              <a:ea typeface="Gill Sans"/>
+              <a:cs typeface="Gill Sans"/>
+              <a:sym typeface="Gill Sans"/>
+            </a:endParaRPr>
+          </a:p>
+        </p:txBody>
+      </p:sp>
+      <p:sp>
+        <p:nvSpPr>
+          <p:cNvPr id="6" name="椭圆 5"/>
+          <p:cNvSpPr/>
+          <p:nvPr/>
+        </p:nvSpPr>
+        <p:spPr>
+          <a:xfrm>
+            <a:off x="5890054" y="2393071"/>
+            <a:ext cx="914400" cy="914400"/>
+          </a:xfrm>
+          <a:prstGeom prst="ellipse">
+            <a:avLst/>
+          </a:prstGeom>
+          <a:solidFill>
+            <a:schemeClr val="accent1"/>
+          </a:solidFill>
+          <a:ln w="12700">
+            <a:miter lim="400000"/>
+          </a:ln>
+        </p:spPr>
+        <p:txBody>
+          <a:bodyPr lIns="22860" tIns="22860" rIns="22860" bIns="22860" rtlCol="0" anchor="ctr"/>
+          <a:lstStyle/>
+          <a:p>
+            <a:pPr algn="ctr" defTabSz="457189"/>
+            <a:r>
+              <a:rPr kumimoji="1" lang="en-US" altLang="zh-CN" sz="2800" dirty="0">
+                <a:latin typeface="Gill Sans"/>
+                <a:ea typeface="Gill Sans"/>
+                <a:cs typeface="Gill Sans"/>
+                <a:sym typeface="Gill Sans"/>
+              </a:rPr>
+              <a:t>3</a:t>
+            </a:r>
+            <a:endParaRPr kumimoji="1" lang="zh-CN" altLang="en-US" sz="2800" dirty="0">
+              <a:latin typeface="Gill Sans"/>
+              <a:ea typeface="Gill Sans"/>
+              <a:cs typeface="Gill Sans"/>
+              <a:sym typeface="Gill Sans"/>
+            </a:endParaRPr>
+          </a:p>
+        </p:txBody>
+      </p:sp>
+      <p:sp>
+        <p:nvSpPr>
+          <p:cNvPr id="7" name="椭圆 6"/>
+          <p:cNvSpPr/>
+          <p:nvPr/>
+        </p:nvSpPr>
+        <p:spPr>
+          <a:xfrm>
+            <a:off x="7232822" y="2393071"/>
+            <a:ext cx="914400" cy="914400"/>
+          </a:xfrm>
+          <a:prstGeom prst="ellipse">
+            <a:avLst/>
+          </a:prstGeom>
+          <a:solidFill>
+            <a:schemeClr val="accent1"/>
+          </a:solidFill>
+          <a:ln w="12700">
+            <a:miter lim="400000"/>
+          </a:ln>
+        </p:spPr>
+        <p:txBody>
+          <a:bodyPr lIns="22860" tIns="22860" rIns="22860" bIns="22860" rtlCol="0" anchor="ctr"/>
+          <a:lstStyle/>
+          <a:p>
+            <a:pPr algn="ctr" defTabSz="457189"/>
+            <a:r>
+              <a:rPr kumimoji="1" lang="en-US" altLang="zh-CN" sz="2800" dirty="0" smtClean="0">
+                <a:latin typeface="Gill Sans"/>
+                <a:ea typeface="Gill Sans"/>
+                <a:cs typeface="Gill Sans"/>
+                <a:sym typeface="Gill Sans"/>
+              </a:rPr>
+              <a:t>...</a:t>
+            </a:r>
+            <a:endParaRPr kumimoji="1" lang="zh-CN" altLang="en-US" sz="2800" dirty="0">
+              <a:latin typeface="Gill Sans"/>
+              <a:ea typeface="Gill Sans"/>
+              <a:cs typeface="Gill Sans"/>
+              <a:sym typeface="Gill Sans"/>
+            </a:endParaRPr>
+          </a:p>
+        </p:txBody>
+      </p:sp>
+    </p:spTree>
+    <p:extLst>
+      <p:ext uri="{BB962C8B-B14F-4D97-AF65-F5344CB8AC3E}">
+        <p14:creationId xmlns:p14="http://schemas.microsoft.com/office/powerpoint/2010/main" val="302238280"/>
+      </p:ext>
+    </p:extLst>
+  </p:cSld>
+  <p:clrMapOvr>
+    <a:masterClrMapping/>
+  </p:clrMapOvr>
+</p:sld>
+</file>
+
 <file path=ppt/slides/slide15.xml><?xml version="1.0" encoding="utf-8"?>
 <p:sld xmlns:a="http://schemas.openxmlformats.org/drawingml/2006/main" xmlns:r="http://schemas.openxmlformats.org/officeDocument/2006/relationships" xmlns:p="http://schemas.openxmlformats.org/presentationml/2006/main">
   <p:cSld>
@@ -10845,7 +10939,7 @@
           <p:cNvPr id="103" name="文本框 102">
             <a:extLst>
               <a:ext uri="{FF2B5EF4-FFF2-40B4-BE49-F238E27FC236}">
-                <a16:creationId xmlns:a16="http://schemas.microsoft.com/office/drawing/2014/main" xmlns="" id="{6096CE65-51C7-4A82-B165-B27A4099C33C}"/>
+                <a16:creationId xmlns="" xmlns:a16="http://schemas.microsoft.com/office/drawing/2014/main" id="{6096CE65-51C7-4A82-B165-B27A4099C33C}"/>
               </a:ext>
             </a:extLst>
           </p:cNvPr>
@@ -10904,7 +10998,7 @@
           <p:cNvPr id="104" name="文本框 103">
             <a:extLst>
               <a:ext uri="{FF2B5EF4-FFF2-40B4-BE49-F238E27FC236}">
-                <a16:creationId xmlns:a16="http://schemas.microsoft.com/office/drawing/2014/main" xmlns="" id="{59CF1341-4CE9-42BE-8BD6-7F1031DC762F}"/>
+                <a16:creationId xmlns="" xmlns:a16="http://schemas.microsoft.com/office/drawing/2014/main" id="{59CF1341-4CE9-42BE-8BD6-7F1031DC762F}"/>
               </a:ext>
             </a:extLst>
           </p:cNvPr>
@@ -10959,7 +11053,7 @@
           <p:cNvPr id="105" name="等腰三角形 104">
             <a:extLst>
               <a:ext uri="{FF2B5EF4-FFF2-40B4-BE49-F238E27FC236}">
-                <a16:creationId xmlns:a16="http://schemas.microsoft.com/office/drawing/2014/main" xmlns="" id="{B1E7F40D-E128-49D0-B4BA-3B4C1F491648}"/>
+                <a16:creationId xmlns="" xmlns:a16="http://schemas.microsoft.com/office/drawing/2014/main" id="{B1E7F40D-E128-49D0-B4BA-3B4C1F491648}"/>
               </a:ext>
             </a:extLst>
           </p:cNvPr>
@@ -11723,120 +11817,6 @@
 </file>
 
 <file path=ppt/slides/slide2.xml><?xml version="1.0" encoding="utf-8"?>
-<p:sld xmlns:a="http://schemas.openxmlformats.org/drawingml/2006/main" xmlns:r="http://schemas.openxmlformats.org/officeDocument/2006/relationships" xmlns:p="http://schemas.openxmlformats.org/presentationml/2006/main">
-  <p:cSld>
-    <p:bg>
-      <p:bgPr>
-        <a:solidFill>
-          <a:schemeClr val="bg1"/>
-        </a:solidFill>
-        <a:effectLst/>
-      </p:bgPr>
-    </p:bg>
-    <p:spTree>
-      <p:nvGrpSpPr>
-        <p:cNvPr id="1" name=""/>
-        <p:cNvGrpSpPr/>
-        <p:nvPr/>
-      </p:nvGrpSpPr>
-      <p:grpSpPr>
-        <a:xfrm>
-          <a:off x="0" y="0"/>
-          <a:ext cx="0" cy="0"/>
-          <a:chOff x="0" y="0"/>
-          <a:chExt cx="0" cy="0"/>
-        </a:xfrm>
-      </p:grpSpPr>
-      <p:sp>
-        <p:nvSpPr>
-          <p:cNvPr id="29" name="等腰三角形 28"/>
-          <p:cNvSpPr/>
-          <p:nvPr/>
-        </p:nvSpPr>
-        <p:spPr>
-          <a:xfrm rot="5400000">
-            <a:off x="870940" y="3842260"/>
-            <a:ext cx="428592" cy="369474"/>
-          </a:xfrm>
-          <a:prstGeom prst="triangle">
-            <a:avLst/>
-          </a:prstGeom>
-          <a:solidFill>
-            <a:schemeClr val="accent2"/>
-          </a:solidFill>
-          <a:ln>
-            <a:noFill/>
-          </a:ln>
-        </p:spPr>
-        <p:style>
-          <a:lnRef idx="2">
-            <a:schemeClr val="accent1">
-              <a:shade val="50000"/>
-            </a:schemeClr>
-          </a:lnRef>
-          <a:fillRef idx="1">
-            <a:schemeClr val="accent1"/>
-          </a:fillRef>
-          <a:effectRef idx="0">
-            <a:schemeClr val="accent1"/>
-          </a:effectRef>
-          <a:fontRef idx="minor">
-            <a:schemeClr val="lt1"/>
-          </a:fontRef>
-        </p:style>
-        <p:txBody>
-          <a:bodyPr rtlCol="0" anchor="ctr"/>
-          <a:lstStyle/>
-          <a:p>
-            <a:pPr algn="ctr"/>
-            <a:endParaRPr lang="zh-CN" altLang="en-US">
-              <a:latin typeface="微软雅黑" panose="020B0503020204020204" charset="-122"/>
-              <a:ea typeface="微软雅黑" panose="020B0503020204020204" charset="-122"/>
-              <a:cs typeface="微软雅黑" panose="020B0503020204020204" charset="-122"/>
-            </a:endParaRPr>
-          </a:p>
-        </p:txBody>
-      </p:sp>
-      <p:pic>
-        <p:nvPicPr>
-          <p:cNvPr id="5" name="图片 4"/>
-          <p:cNvPicPr>
-            <a:picLocks noChangeAspect="1"/>
-          </p:cNvPicPr>
-          <p:nvPr/>
-        </p:nvPicPr>
-        <p:blipFill>
-          <a:blip r:embed="rId2"/>
-          <a:stretch>
-            <a:fillRect/>
-          </a:stretch>
-        </p:blipFill>
-        <p:spPr>
-          <a:xfrm>
-            <a:off x="2816087" y="1290918"/>
-            <a:ext cx="7331960" cy="5152606"/>
-          </a:xfrm>
-          <a:prstGeom prst="rect">
-            <a:avLst/>
-          </a:prstGeom>
-        </p:spPr>
-      </p:pic>
-    </p:spTree>
-  </p:cSld>
-  <p:clrMapOvr>
-    <a:masterClrMapping/>
-  </p:clrMapOvr>
-  <p:timing>
-    <p:tnLst>
-      <p:par>
-        <p:cTn id="1" dur="indefinite" restart="never" nodeType="tmRoot"/>
-      </p:par>
-    </p:tnLst>
-  </p:timing>
-</p:sld>
-</file>
-
-<file path=ppt/slides/slide3.xml><?xml version="1.0" encoding="utf-8"?>
 <p:sld xmlns:a="http://schemas.openxmlformats.org/drawingml/2006/main" xmlns:r="http://schemas.openxmlformats.org/officeDocument/2006/relationships" xmlns:p="http://schemas.openxmlformats.org/presentationml/2006/main">
   <p:cSld>
     <p:spTree>
@@ -12419,7 +12399,7 @@
           <p:cNvPr id="35" name="组合 34">
             <a:extLst>
               <a:ext uri="{FF2B5EF4-FFF2-40B4-BE49-F238E27FC236}">
-                <a16:creationId xmlns:a16="http://schemas.microsoft.com/office/drawing/2014/main" xmlns="" id="{F6CFB8E5-BBB1-4AF5-A225-4A645A3247EA}"/>
+                <a16:creationId xmlns="" xmlns:a16="http://schemas.microsoft.com/office/drawing/2014/main" id="{F6CFB8E5-BBB1-4AF5-A225-4A645A3247EA}"/>
               </a:ext>
             </a:extLst>
           </p:cNvPr>
@@ -12441,7 +12421,7 @@
             <p:cNvPr id="36" name="椭圆 35">
               <a:extLst>
                 <a:ext uri="{FF2B5EF4-FFF2-40B4-BE49-F238E27FC236}">
-                  <a16:creationId xmlns:a16="http://schemas.microsoft.com/office/drawing/2014/main" xmlns="" id="{74EFCF5C-C7A5-425A-A307-CE51254B2294}"/>
+                  <a16:creationId xmlns="" xmlns:a16="http://schemas.microsoft.com/office/drawing/2014/main" id="{74EFCF5C-C7A5-425A-A307-CE51254B2294}"/>
                 </a:ext>
               </a:extLst>
             </p:cNvPr>
@@ -12531,7 +12511,7 @@
             <p:cNvPr id="37" name="椭圆 36">
               <a:extLst>
                 <a:ext uri="{FF2B5EF4-FFF2-40B4-BE49-F238E27FC236}">
-                  <a16:creationId xmlns:a16="http://schemas.microsoft.com/office/drawing/2014/main" xmlns="" id="{8116EB6E-1C7D-4110-B34B-7B3676B944C3}"/>
+                  <a16:creationId xmlns="" xmlns:a16="http://schemas.microsoft.com/office/drawing/2014/main" id="{8116EB6E-1C7D-4110-B34B-7B3676B944C3}"/>
                 </a:ext>
               </a:extLst>
             </p:cNvPr>
@@ -12599,7 +12579,7 @@
           <p:cNvPr id="49" name="组合 48">
             <a:extLst>
               <a:ext uri="{FF2B5EF4-FFF2-40B4-BE49-F238E27FC236}">
-                <a16:creationId xmlns:a16="http://schemas.microsoft.com/office/drawing/2014/main" xmlns="" id="{8C4BF7FF-3BFA-4ADC-926B-889ED1E1F188}"/>
+                <a16:creationId xmlns="" xmlns:a16="http://schemas.microsoft.com/office/drawing/2014/main" id="{8C4BF7FF-3BFA-4ADC-926B-889ED1E1F188}"/>
               </a:ext>
             </a:extLst>
           </p:cNvPr>
@@ -12621,7 +12601,7 @@
             <p:cNvPr id="50" name="椭圆 49">
               <a:extLst>
                 <a:ext uri="{FF2B5EF4-FFF2-40B4-BE49-F238E27FC236}">
-                  <a16:creationId xmlns:a16="http://schemas.microsoft.com/office/drawing/2014/main" xmlns="" id="{7DB216E0-1AC8-4BAB-BFC4-849982ECBC53}"/>
+                  <a16:creationId xmlns="" xmlns:a16="http://schemas.microsoft.com/office/drawing/2014/main" id="{7DB216E0-1AC8-4BAB-BFC4-849982ECBC53}"/>
                 </a:ext>
               </a:extLst>
             </p:cNvPr>
@@ -12711,7 +12691,7 @@
             <p:cNvPr id="51" name="椭圆 50">
               <a:extLst>
                 <a:ext uri="{FF2B5EF4-FFF2-40B4-BE49-F238E27FC236}">
-                  <a16:creationId xmlns:a16="http://schemas.microsoft.com/office/drawing/2014/main" xmlns="" id="{19CE7E4C-C9DE-46F7-9BA0-E440A163F8C9}"/>
+                  <a16:creationId xmlns="" xmlns:a16="http://schemas.microsoft.com/office/drawing/2014/main" id="{19CE7E4C-C9DE-46F7-9BA0-E440A163F8C9}"/>
                 </a:ext>
               </a:extLst>
             </p:cNvPr>
@@ -12779,7 +12759,7 @@
           <p:cNvPr id="52" name="组合 51">
             <a:extLst>
               <a:ext uri="{FF2B5EF4-FFF2-40B4-BE49-F238E27FC236}">
-                <a16:creationId xmlns:a16="http://schemas.microsoft.com/office/drawing/2014/main" xmlns="" id="{2E2EB95A-FDA0-482B-B7D3-6AFF49E05297}"/>
+                <a16:creationId xmlns="" xmlns:a16="http://schemas.microsoft.com/office/drawing/2014/main" id="{2E2EB95A-FDA0-482B-B7D3-6AFF49E05297}"/>
               </a:ext>
             </a:extLst>
           </p:cNvPr>
@@ -12801,7 +12781,7 @@
             <p:cNvPr id="53" name="椭圆 52">
               <a:extLst>
                 <a:ext uri="{FF2B5EF4-FFF2-40B4-BE49-F238E27FC236}">
-                  <a16:creationId xmlns:a16="http://schemas.microsoft.com/office/drawing/2014/main" xmlns="" id="{29FF8AF3-ACC2-467A-9ECF-82F02A982B31}"/>
+                  <a16:creationId xmlns="" xmlns:a16="http://schemas.microsoft.com/office/drawing/2014/main" id="{29FF8AF3-ACC2-467A-9ECF-82F02A982B31}"/>
                 </a:ext>
               </a:extLst>
             </p:cNvPr>
@@ -12891,7 +12871,7 @@
             <p:cNvPr id="54" name="椭圆 53">
               <a:extLst>
                 <a:ext uri="{FF2B5EF4-FFF2-40B4-BE49-F238E27FC236}">
-                  <a16:creationId xmlns:a16="http://schemas.microsoft.com/office/drawing/2014/main" xmlns="" id="{96EB812A-01CE-4357-A32F-A2B246B03909}"/>
+                  <a16:creationId xmlns="" xmlns:a16="http://schemas.microsoft.com/office/drawing/2014/main" id="{96EB812A-01CE-4357-A32F-A2B246B03909}"/>
                 </a:ext>
               </a:extLst>
             </p:cNvPr>
@@ -12959,7 +12939,7 @@
           <p:cNvPr id="55" name="组合 54">
             <a:extLst>
               <a:ext uri="{FF2B5EF4-FFF2-40B4-BE49-F238E27FC236}">
-                <a16:creationId xmlns:a16="http://schemas.microsoft.com/office/drawing/2014/main" xmlns="" id="{ADC8F183-6301-4E0F-8717-F2424D84B708}"/>
+                <a16:creationId xmlns="" xmlns:a16="http://schemas.microsoft.com/office/drawing/2014/main" id="{ADC8F183-6301-4E0F-8717-F2424D84B708}"/>
               </a:ext>
             </a:extLst>
           </p:cNvPr>
@@ -12981,7 +12961,7 @@
             <p:cNvPr id="56" name="椭圆 55">
               <a:extLst>
                 <a:ext uri="{FF2B5EF4-FFF2-40B4-BE49-F238E27FC236}">
-                  <a16:creationId xmlns:a16="http://schemas.microsoft.com/office/drawing/2014/main" xmlns="" id="{B35CBA88-148F-4696-A06A-1A0C5BFF561A}"/>
+                  <a16:creationId xmlns="" xmlns:a16="http://schemas.microsoft.com/office/drawing/2014/main" id="{B35CBA88-148F-4696-A06A-1A0C5BFF561A}"/>
                 </a:ext>
               </a:extLst>
             </p:cNvPr>
@@ -13071,7 +13051,7 @@
             <p:cNvPr id="57" name="椭圆 56">
               <a:extLst>
                 <a:ext uri="{FF2B5EF4-FFF2-40B4-BE49-F238E27FC236}">
-                  <a16:creationId xmlns:a16="http://schemas.microsoft.com/office/drawing/2014/main" xmlns="" id="{8B805144-7DBD-40CC-A6F2-250F2BB44780}"/>
+                  <a16:creationId xmlns="" xmlns:a16="http://schemas.microsoft.com/office/drawing/2014/main" id="{8B805144-7DBD-40CC-A6F2-250F2BB44780}"/>
                 </a:ext>
               </a:extLst>
             </p:cNvPr>
@@ -13139,7 +13119,7 @@
           <p:cNvPr id="58" name="椭圆 57">
             <a:extLst>
               <a:ext uri="{FF2B5EF4-FFF2-40B4-BE49-F238E27FC236}">
-                <a16:creationId xmlns:a16="http://schemas.microsoft.com/office/drawing/2014/main" xmlns="" id="{EAF34623-ED39-425A-8E24-EABF013048A2}"/>
+                <a16:creationId xmlns="" xmlns:a16="http://schemas.microsoft.com/office/drawing/2014/main" id="{EAF34623-ED39-425A-8E24-EABF013048A2}"/>
               </a:ext>
             </a:extLst>
           </p:cNvPr>
@@ -13206,7 +13186,7 @@
           <p:cNvPr id="59" name="组合 58">
             <a:extLst>
               <a:ext uri="{FF2B5EF4-FFF2-40B4-BE49-F238E27FC236}">
-                <a16:creationId xmlns:a16="http://schemas.microsoft.com/office/drawing/2014/main" xmlns="" id="{1DB98F89-F4CE-496E-BBD7-C083F5811EE9}"/>
+                <a16:creationId xmlns="" xmlns:a16="http://schemas.microsoft.com/office/drawing/2014/main" id="{1DB98F89-F4CE-496E-BBD7-C083F5811EE9}"/>
               </a:ext>
             </a:extLst>
           </p:cNvPr>
@@ -13233,7 +13213,7 @@
             <p:cNvPr id="60" name="同心圆 169">
               <a:extLst>
                 <a:ext uri="{FF2B5EF4-FFF2-40B4-BE49-F238E27FC236}">
-                  <a16:creationId xmlns:a16="http://schemas.microsoft.com/office/drawing/2014/main" xmlns="" id="{064D95BB-9510-4CB1-AF98-D9A26A3FE120}"/>
+                  <a16:creationId xmlns="" xmlns:a16="http://schemas.microsoft.com/office/drawing/2014/main" id="{064D95BB-9510-4CB1-AF98-D9A26A3FE120}"/>
                 </a:ext>
               </a:extLst>
             </p:cNvPr>
@@ -13310,7 +13290,7 @@
             <p:cNvPr id="61" name="椭圆 60">
               <a:extLst>
                 <a:ext uri="{FF2B5EF4-FFF2-40B4-BE49-F238E27FC236}">
-                  <a16:creationId xmlns:a16="http://schemas.microsoft.com/office/drawing/2014/main" xmlns="" id="{BB6B5113-1D64-409B-8EAF-115513890605}"/>
+                  <a16:creationId xmlns="" xmlns:a16="http://schemas.microsoft.com/office/drawing/2014/main" id="{BB6B5113-1D64-409B-8EAF-115513890605}"/>
                 </a:ext>
               </a:extLst>
             </p:cNvPr>
@@ -13386,7 +13366,7 @@
           <p:cNvPr id="62" name="组合 61">
             <a:extLst>
               <a:ext uri="{FF2B5EF4-FFF2-40B4-BE49-F238E27FC236}">
-                <a16:creationId xmlns:a16="http://schemas.microsoft.com/office/drawing/2014/main" xmlns="" id="{0748E50C-2958-4BA3-8FB5-5870CC57B08F}"/>
+                <a16:creationId xmlns="" xmlns:a16="http://schemas.microsoft.com/office/drawing/2014/main" id="{0748E50C-2958-4BA3-8FB5-5870CC57B08F}"/>
               </a:ext>
             </a:extLst>
           </p:cNvPr>
@@ -13413,7 +13393,7 @@
             <p:cNvPr id="63" name="同心圆 172">
               <a:extLst>
                 <a:ext uri="{FF2B5EF4-FFF2-40B4-BE49-F238E27FC236}">
-                  <a16:creationId xmlns:a16="http://schemas.microsoft.com/office/drawing/2014/main" xmlns="" id="{5E8D2C3D-4FB4-44E8-9AA1-2373AA047EBB}"/>
+                  <a16:creationId xmlns="" xmlns:a16="http://schemas.microsoft.com/office/drawing/2014/main" id="{5E8D2C3D-4FB4-44E8-9AA1-2373AA047EBB}"/>
                 </a:ext>
               </a:extLst>
             </p:cNvPr>
@@ -13490,7 +13470,7 @@
             <p:cNvPr id="64" name="椭圆 63">
               <a:extLst>
                 <a:ext uri="{FF2B5EF4-FFF2-40B4-BE49-F238E27FC236}">
-                  <a16:creationId xmlns:a16="http://schemas.microsoft.com/office/drawing/2014/main" xmlns="" id="{00AEEB15-C255-40B8-A2B6-1FE74434ADDA}"/>
+                  <a16:creationId xmlns="" xmlns:a16="http://schemas.microsoft.com/office/drawing/2014/main" id="{00AEEB15-C255-40B8-A2B6-1FE74434ADDA}"/>
                 </a:ext>
               </a:extLst>
             </p:cNvPr>
@@ -13566,7 +13546,7 @@
           <p:cNvPr id="65" name="椭圆 64">
             <a:extLst>
               <a:ext uri="{FF2B5EF4-FFF2-40B4-BE49-F238E27FC236}">
-                <a16:creationId xmlns:a16="http://schemas.microsoft.com/office/drawing/2014/main" xmlns="" id="{F9AECAA2-629F-4C0F-A711-C1BCDB1D2A79}"/>
+                <a16:creationId xmlns="" xmlns:a16="http://schemas.microsoft.com/office/drawing/2014/main" id="{F9AECAA2-629F-4C0F-A711-C1BCDB1D2A79}"/>
               </a:ext>
             </a:extLst>
           </p:cNvPr>
@@ -13633,7 +13613,7 @@
           <p:cNvPr id="66" name="椭圆 65">
             <a:extLst>
               <a:ext uri="{FF2B5EF4-FFF2-40B4-BE49-F238E27FC236}">
-                <a16:creationId xmlns:a16="http://schemas.microsoft.com/office/drawing/2014/main" xmlns="" id="{D97838A9-3CCF-4D5D-B890-C3973BF59D8A}"/>
+                <a16:creationId xmlns="" xmlns:a16="http://schemas.microsoft.com/office/drawing/2014/main" id="{D97838A9-3CCF-4D5D-B890-C3973BF59D8A}"/>
               </a:ext>
             </a:extLst>
           </p:cNvPr>
@@ -13700,7 +13680,7 @@
           <p:cNvPr id="67" name="椭圆 66">
             <a:extLst>
               <a:ext uri="{FF2B5EF4-FFF2-40B4-BE49-F238E27FC236}">
-                <a16:creationId xmlns:a16="http://schemas.microsoft.com/office/drawing/2014/main" xmlns="" id="{EF8626CE-B913-41B0-9A75-30FC8C2E23C8}"/>
+                <a16:creationId xmlns="" xmlns:a16="http://schemas.microsoft.com/office/drawing/2014/main" id="{EF8626CE-B913-41B0-9A75-30FC8C2E23C8}"/>
               </a:ext>
             </a:extLst>
           </p:cNvPr>
@@ -13767,7 +13747,7 @@
           <p:cNvPr id="68" name="椭圆 67">
             <a:extLst>
               <a:ext uri="{FF2B5EF4-FFF2-40B4-BE49-F238E27FC236}">
-                <a16:creationId xmlns:a16="http://schemas.microsoft.com/office/drawing/2014/main" xmlns="" id="{969C1623-2C0B-42FA-802E-23EAA52E8CEC}"/>
+                <a16:creationId xmlns="" xmlns:a16="http://schemas.microsoft.com/office/drawing/2014/main" id="{969C1623-2C0B-42FA-802E-23EAA52E8CEC}"/>
               </a:ext>
             </a:extLst>
           </p:cNvPr>
@@ -13834,7 +13814,7 @@
           <p:cNvPr id="7" name="直接连接符 6">
             <a:extLst>
               <a:ext uri="{FF2B5EF4-FFF2-40B4-BE49-F238E27FC236}">
-                <a16:creationId xmlns:a16="http://schemas.microsoft.com/office/drawing/2014/main" xmlns="" id="{2663A9D0-5C5A-4197-8EDD-FF02F0F82E98}"/>
+                <a16:creationId xmlns="" xmlns:a16="http://schemas.microsoft.com/office/drawing/2014/main" id="{2663A9D0-5C5A-4197-8EDD-FF02F0F82E98}"/>
               </a:ext>
             </a:extLst>
           </p:cNvPr>
@@ -15167,7 +15147,7 @@
 </p:sld>
 </file>
 
-<file path=ppt/slides/slide4.xml><?xml version="1.0" encoding="utf-8"?>
+<file path=ppt/slides/slide3.xml><?xml version="1.0" encoding="utf-8"?>
 <p:sld xmlns:a="http://schemas.openxmlformats.org/drawingml/2006/main" xmlns:r="http://schemas.openxmlformats.org/officeDocument/2006/relationships" xmlns:p="http://schemas.openxmlformats.org/presentationml/2006/main">
   <p:cSld>
     <p:spTree>
@@ -15189,7 +15169,7 @@
           <p:cNvPr id="103" name="文本框 102">
             <a:extLst>
               <a:ext uri="{FF2B5EF4-FFF2-40B4-BE49-F238E27FC236}">
-                <a16:creationId xmlns:a16="http://schemas.microsoft.com/office/drawing/2014/main" xmlns="" id="{6096CE65-51C7-4A82-B165-B27A4099C33C}"/>
+                <a16:creationId xmlns="" xmlns:a16="http://schemas.microsoft.com/office/drawing/2014/main" id="{6096CE65-51C7-4A82-B165-B27A4099C33C}"/>
               </a:ext>
             </a:extLst>
           </p:cNvPr>
@@ -15248,7 +15228,7 @@
           <p:cNvPr id="104" name="文本框 103">
             <a:extLst>
               <a:ext uri="{FF2B5EF4-FFF2-40B4-BE49-F238E27FC236}">
-                <a16:creationId xmlns:a16="http://schemas.microsoft.com/office/drawing/2014/main" xmlns="" id="{59CF1341-4CE9-42BE-8BD6-7F1031DC762F}"/>
+                <a16:creationId xmlns="" xmlns:a16="http://schemas.microsoft.com/office/drawing/2014/main" id="{59CF1341-4CE9-42BE-8BD6-7F1031DC762F}"/>
               </a:ext>
             </a:extLst>
           </p:cNvPr>
@@ -15303,7 +15283,7 @@
           <p:cNvPr id="105" name="等腰三角形 104">
             <a:extLst>
               <a:ext uri="{FF2B5EF4-FFF2-40B4-BE49-F238E27FC236}">
-                <a16:creationId xmlns:a16="http://schemas.microsoft.com/office/drawing/2014/main" xmlns="" id="{B1E7F40D-E128-49D0-B4BA-3B4C1F491648}"/>
+                <a16:creationId xmlns="" xmlns:a16="http://schemas.microsoft.com/office/drawing/2014/main" id="{B1E7F40D-E128-49D0-B4BA-3B4C1F491648}"/>
               </a:ext>
             </a:extLst>
           </p:cNvPr>
@@ -15372,7 +15352,7 @@
 </p:sld>
 </file>
 
-<file path=ppt/slides/slide5.xml><?xml version="1.0" encoding="utf-8"?>
+<file path=ppt/slides/slide4.xml><?xml version="1.0" encoding="utf-8"?>
 <p:sld xmlns:a="http://schemas.openxmlformats.org/drawingml/2006/main" xmlns:r="http://schemas.openxmlformats.org/officeDocument/2006/relationships" xmlns:p="http://schemas.openxmlformats.org/presentationml/2006/main">
   <p:cSld>
     <p:spTree>
@@ -16522,7 +16502,7 @@
 </p:sld>
 </file>
 
-<file path=ppt/slides/slide6.xml><?xml version="1.0" encoding="utf-8"?>
+<file path=ppt/slides/slide5.xml><?xml version="1.0" encoding="utf-8"?>
 <p:sld xmlns:a="http://schemas.openxmlformats.org/drawingml/2006/main" xmlns:r="http://schemas.openxmlformats.org/officeDocument/2006/relationships" xmlns:p="http://schemas.openxmlformats.org/presentationml/2006/main">
   <p:cSld>
     <p:spTree>
@@ -17206,7 +17186,7 @@
 </p:sld>
 </file>
 
-<file path=ppt/slides/slide7.xml><?xml version="1.0" encoding="utf-8"?>
+<file path=ppt/slides/slide6.xml><?xml version="1.0" encoding="utf-8"?>
 <p:sld xmlns:a="http://schemas.openxmlformats.org/drawingml/2006/main" xmlns:r="http://schemas.openxmlformats.org/officeDocument/2006/relationships" xmlns:p="http://schemas.openxmlformats.org/presentationml/2006/main">
   <p:cSld>
     <p:spTree>
@@ -17934,7 +17914,7 @@
 </p:sld>
 </file>
 
-<file path=ppt/slides/slide8.xml><?xml version="1.0" encoding="utf-8"?>
+<file path=ppt/slides/slide7.xml><?xml version="1.0" encoding="utf-8"?>
 <p:sld xmlns:a="http://schemas.openxmlformats.org/drawingml/2006/main" xmlns:r="http://schemas.openxmlformats.org/officeDocument/2006/relationships" xmlns:p="http://schemas.openxmlformats.org/presentationml/2006/main">
   <p:cSld>
     <p:spTree>
@@ -20697,7 +20677,7 @@
 </p:sld>
 </file>
 
-<file path=ppt/slides/slide9.xml><?xml version="1.0" encoding="utf-8"?>
+<file path=ppt/slides/slide8.xml><?xml version="1.0" encoding="utf-8"?>
 <p:sld xmlns:a="http://schemas.openxmlformats.org/drawingml/2006/main" xmlns:r="http://schemas.openxmlformats.org/officeDocument/2006/relationships" xmlns:p="http://schemas.openxmlformats.org/presentationml/2006/main">
   <p:cSld>
     <p:spTree>
@@ -21100,6 +21080,206 @@
             </p:seq>
           </p:childTnLst>
         </p:cTn>
+      </p:par>
+    </p:tnLst>
+  </p:timing>
+</p:sld>
+</file>
+
+<file path=ppt/slides/slide9.xml><?xml version="1.0" encoding="utf-8"?>
+<p:sld xmlns:a="http://schemas.openxmlformats.org/drawingml/2006/main" xmlns:r="http://schemas.openxmlformats.org/officeDocument/2006/relationships" xmlns:p="http://schemas.openxmlformats.org/presentationml/2006/main">
+  <p:cSld>
+    <p:spTree>
+      <p:nvGrpSpPr>
+        <p:cNvPr id="1" name=""/>
+        <p:cNvGrpSpPr/>
+        <p:nvPr/>
+      </p:nvGrpSpPr>
+      <p:grpSpPr>
+        <a:xfrm>
+          <a:off x="0" y="0"/>
+          <a:ext cx="0" cy="0"/>
+          <a:chOff x="0" y="0"/>
+          <a:chExt cx="0" cy="0"/>
+        </a:xfrm>
+      </p:grpSpPr>
+      <p:sp>
+        <p:nvSpPr>
+          <p:cNvPr id="103" name="文本框 102">
+            <a:extLst>
+              <a:ext uri="{FF2B5EF4-FFF2-40B4-BE49-F238E27FC236}">
+                <a16:creationId xmlns="" xmlns:a16="http://schemas.microsoft.com/office/drawing/2014/main" id="{6096CE65-51C7-4A82-B165-B27A4099C33C}"/>
+              </a:ext>
+            </a:extLst>
+          </p:cNvPr>
+          <p:cNvSpPr txBox="1"/>
+          <p:nvPr/>
+        </p:nvSpPr>
+        <p:spPr>
+          <a:xfrm flipH="1">
+            <a:off x="3836974" y="4376651"/>
+            <a:ext cx="4322287" cy="707886"/>
+          </a:xfrm>
+          <a:prstGeom prst="rect">
+            <a:avLst/>
+          </a:prstGeom>
+          <a:noFill/>
+        </p:spPr>
+        <p:txBody>
+          <a:bodyPr wrap="square" rtlCol="0">
+            <a:spAutoFit/>
+          </a:bodyPr>
+          <a:lstStyle/>
+          <a:p>
+            <a:pPr marL="0" lvl="1"/>
+            <a:r>
+              <a:rPr lang="zh-CN" altLang="en-US" sz="4000" b="1" smtClean="0">
+                <a:solidFill>
+                  <a:schemeClr val="accent1"/>
+                </a:solidFill>
+                <a:latin typeface="微软雅黑" pitchFamily="34" charset="-122"/>
+                <a:ea typeface="微软雅黑" pitchFamily="34" charset="-122"/>
+              </a:rPr>
+              <a:t>对象分类</a:t>
+            </a:r>
+            <a:endParaRPr lang="en-US" altLang="zh-CN" sz="4000" b="1" dirty="0">
+              <a:solidFill>
+                <a:schemeClr val="accent1"/>
+              </a:solidFill>
+              <a:latin typeface="微软雅黑" pitchFamily="34" charset="-122"/>
+              <a:ea typeface="微软雅黑" pitchFamily="34" charset="-122"/>
+            </a:endParaRPr>
+          </a:p>
+        </p:txBody>
+      </p:sp>
+      <p:sp>
+        <p:nvSpPr>
+          <p:cNvPr id="104" name="文本框 103">
+            <a:extLst>
+              <a:ext uri="{FF2B5EF4-FFF2-40B4-BE49-F238E27FC236}">
+                <a16:creationId xmlns="" xmlns:a16="http://schemas.microsoft.com/office/drawing/2014/main" id="{59CF1341-4CE9-42BE-8BD6-7F1031DC762F}"/>
+              </a:ext>
+            </a:extLst>
+          </p:cNvPr>
+          <p:cNvSpPr txBox="1"/>
+          <p:nvPr/>
+        </p:nvSpPr>
+        <p:spPr>
+          <a:xfrm>
+            <a:off x="443426" y="3784477"/>
+            <a:ext cx="2743200" cy="1938992"/>
+          </a:xfrm>
+          <a:prstGeom prst="rect">
+            <a:avLst/>
+          </a:prstGeom>
+          <a:noFill/>
+        </p:spPr>
+        <p:txBody>
+          <a:bodyPr wrap="square" rtlCol="0">
+            <a:spAutoFit/>
+          </a:bodyPr>
+          <a:lstStyle/>
+          <a:p>
+            <a:pPr algn="ctr"/>
+            <a:r>
+              <a:rPr lang="en-US" altLang="zh-CN" sz="12000" dirty="0">
+                <a:solidFill>
+                  <a:schemeClr val="bg1">
+                    <a:lumMod val="75000"/>
+                  </a:schemeClr>
+                </a:solidFill>
+                <a:latin typeface="微软雅黑" panose="020B0503020204020204" charset="-122"/>
+                <a:ea typeface="微软雅黑" panose="020B0503020204020204" charset="-122"/>
+                <a:cs typeface="微软雅黑" panose="020B0503020204020204" charset="-122"/>
+              </a:rPr>
+              <a:t>02</a:t>
+            </a:r>
+            <a:endParaRPr lang="zh-CN" altLang="en-US" sz="12000" dirty="0">
+              <a:solidFill>
+                <a:schemeClr val="bg1">
+                  <a:lumMod val="75000"/>
+                </a:schemeClr>
+              </a:solidFill>
+              <a:latin typeface="微软雅黑" panose="020B0503020204020204" charset="-122"/>
+              <a:ea typeface="微软雅黑" panose="020B0503020204020204" charset="-122"/>
+              <a:cs typeface="微软雅黑" panose="020B0503020204020204" charset="-122"/>
+            </a:endParaRPr>
+          </a:p>
+        </p:txBody>
+      </p:sp>
+      <p:sp>
+        <p:nvSpPr>
+          <p:cNvPr id="105" name="等腰三角形 104">
+            <a:extLst>
+              <a:ext uri="{FF2B5EF4-FFF2-40B4-BE49-F238E27FC236}">
+                <a16:creationId xmlns="" xmlns:a16="http://schemas.microsoft.com/office/drawing/2014/main" id="{B1E7F40D-E128-49D0-B4BA-3B4C1F491648}"/>
+              </a:ext>
+            </a:extLst>
+          </p:cNvPr>
+          <p:cNvSpPr/>
+          <p:nvPr/>
+        </p:nvSpPr>
+        <p:spPr>
+          <a:xfrm rot="5400000">
+            <a:off x="2830434" y="4319077"/>
+            <a:ext cx="998352" cy="860644"/>
+          </a:xfrm>
+          <a:prstGeom prst="triangle">
+            <a:avLst/>
+          </a:prstGeom>
+          <a:solidFill>
+            <a:schemeClr val="accent1"/>
+          </a:solidFill>
+          <a:ln>
+            <a:noFill/>
+          </a:ln>
+        </p:spPr>
+        <p:style>
+          <a:lnRef idx="2">
+            <a:schemeClr val="accent1">
+              <a:shade val="50000"/>
+            </a:schemeClr>
+          </a:lnRef>
+          <a:fillRef idx="1">
+            <a:schemeClr val="accent1"/>
+          </a:fillRef>
+          <a:effectRef idx="0">
+            <a:schemeClr val="accent1"/>
+          </a:effectRef>
+          <a:fontRef idx="minor">
+            <a:schemeClr val="lt1"/>
+          </a:fontRef>
+        </p:style>
+        <p:txBody>
+          <a:bodyPr rtlCol="0" anchor="ctr"/>
+          <a:lstStyle/>
+          <a:p>
+            <a:pPr algn="ctr"/>
+            <a:endParaRPr lang="zh-CN" altLang="en-US">
+              <a:latin typeface="微软雅黑" panose="020B0503020204020204" charset="-122"/>
+              <a:ea typeface="微软雅黑" panose="020B0503020204020204" charset="-122"/>
+              <a:cs typeface="微软雅黑" panose="020B0503020204020204" charset="-122"/>
+            </a:endParaRPr>
+          </a:p>
+        </p:txBody>
+      </p:sp>
+    </p:spTree>
+    <p:extLst>
+      <p:ext uri="{BB962C8B-B14F-4D97-AF65-F5344CB8AC3E}">
+        <p14:creationId xmlns:p14="http://schemas.microsoft.com/office/powerpoint/2010/main" val="3863445124"/>
+      </p:ext>
+    </p:extLst>
+  </p:cSld>
+  <p:clrMapOvr>
+    <a:masterClrMapping/>
+  </p:clrMapOvr>
+  <p:transition spd="slow">
+    <p:wipe/>
+  </p:transition>
+  <p:timing>
+    <p:tnLst>
+      <p:par>
+        <p:cTn id="1" dur="indefinite" restart="never" nodeType="tmRoot"/>
       </p:par>
     </p:tnLst>
   </p:timing>
